--- a/02a Intoduction to MongoDB.pptx
+++ b/02a Intoduction to MongoDB.pptx
@@ -1073,17 +1073,17 @@
       </dgm:t>
     </dgm:pt>
     <dgm:pt modelId="{50CE7B3E-78EE-44F8-AE6C-313BFE2A58BB}">
-      <dgm:prSet phldrT="[Text]"/>
+      <dgm:prSet phldrT="[Text]" custT="1"/>
       <dgm:spPr/>
       <dgm:t>
         <a:bodyPr/>
         <a:lstStyle/>
         <a:p>
           <a:r>
-            <a:rPr lang="en-US" dirty="0"/>
+            <a:rPr lang="en-US" sz="2400" dirty="0"/>
             <a:t>Fast lookups</a:t>
           </a:r>
-          <a:endParaRPr lang="en-GB" dirty="0"/>
+          <a:endParaRPr lang="en-GB" sz="2400" dirty="0"/>
         </a:p>
       </dgm:t>
     </dgm:pt>
@@ -1110,17 +1110,17 @@
       </dgm:t>
     </dgm:pt>
     <dgm:pt modelId="{253628E4-63F9-4BC6-AA64-10A778A68A82}">
-      <dgm:prSet phldrT="[Text]"/>
+      <dgm:prSet phldrT="[Text]" custT="1"/>
       <dgm:spPr/>
       <dgm:t>
         <a:bodyPr/>
         <a:lstStyle/>
         <a:p>
           <a:r>
-            <a:rPr lang="en-US" dirty="0"/>
+            <a:rPr lang="en-US" sz="2400" dirty="0"/>
             <a:t>Easy for programmers</a:t>
           </a:r>
-          <a:endParaRPr lang="en-GB" dirty="0"/>
+          <a:endParaRPr lang="en-GB" sz="2400" dirty="0"/>
         </a:p>
       </dgm:t>
     </dgm:pt>
@@ -1184,17 +1184,17 @@
       </dgm:t>
     </dgm:pt>
     <dgm:pt modelId="{EA21574D-ADB2-4191-934C-8BA6E5B691B0}">
-      <dgm:prSet phldrT="[Text]"/>
+      <dgm:prSet phldrT="[Text]" custT="1"/>
       <dgm:spPr/>
       <dgm:t>
         <a:bodyPr/>
         <a:lstStyle/>
         <a:p>
           <a:r>
-            <a:rPr lang="en-US" dirty="0"/>
-            <a:t>Inconsistencies in data</a:t>
+            <a:rPr lang="en-US" sz="2400" dirty="0"/>
+            <a:t>Redundancy</a:t>
           </a:r>
-          <a:endParaRPr lang="en-GB" dirty="0"/>
+          <a:endParaRPr lang="en-GB" sz="2400" dirty="0"/>
         </a:p>
       </dgm:t>
     </dgm:pt>
@@ -1221,17 +1221,17 @@
       </dgm:t>
     </dgm:pt>
     <dgm:pt modelId="{C33935BE-312B-4650-938B-3FED922A8394}">
-      <dgm:prSet phldrT="[Text]"/>
+      <dgm:prSet phldrT="[Text]" custT="1"/>
       <dgm:spPr/>
       <dgm:t>
         <a:bodyPr/>
         <a:lstStyle/>
         <a:p>
           <a:r>
-            <a:rPr lang="en-US" dirty="0"/>
-            <a:t>Slower updates (sometimes)</a:t>
+            <a:rPr lang="en-US" sz="2400" dirty="0"/>
+            <a:t>Slower updates</a:t>
           </a:r>
-          <a:endParaRPr lang="en-GB" dirty="0"/>
+          <a:endParaRPr lang="en-GB" sz="2400" dirty="0"/>
         </a:p>
       </dgm:t>
     </dgm:pt>
@@ -1258,17 +1258,17 @@
       </dgm:t>
     </dgm:pt>
     <dgm:pt modelId="{F4DF0B46-0B75-4EB6-BE90-3AEC2F4A001C}">
-      <dgm:prSet phldrT="[Text]"/>
+      <dgm:prSet phldrT="[Text]" custT="1"/>
       <dgm:spPr/>
       <dgm:t>
         <a:bodyPr/>
         <a:lstStyle/>
         <a:p>
           <a:r>
-            <a:rPr lang="en-US" dirty="0"/>
+            <a:rPr lang="en-US" sz="2400" dirty="0"/>
             <a:t>Rapid development </a:t>
           </a:r>
-          <a:endParaRPr lang="en-GB" dirty="0"/>
+          <a:endParaRPr lang="en-GB" sz="2400" dirty="0"/>
         </a:p>
       </dgm:t>
     </dgm:pt>
@@ -1295,17 +1295,17 @@
       </dgm:t>
     </dgm:pt>
     <dgm:pt modelId="{592C3728-B81B-4E6C-9AF6-234684517CED}">
-      <dgm:prSet phldrT="[Text]"/>
+      <dgm:prSet phldrT="[Text]" custT="1"/>
       <dgm:spPr/>
       <dgm:t>
         <a:bodyPr/>
         <a:lstStyle/>
         <a:p>
           <a:r>
-            <a:rPr lang="en-US" dirty="0"/>
-            <a:t>Analytics are hard</a:t>
+            <a:rPr lang="en-US" sz="2400" dirty="0"/>
+            <a:t>Difficult analytics</a:t>
           </a:r>
-          <a:endParaRPr lang="en-GB" dirty="0"/>
+          <a:endParaRPr lang="en-GB" sz="2400" dirty="0"/>
         </a:p>
       </dgm:t>
     </dgm:pt>
@@ -1321,6 +1321,223 @@
       </dgm:t>
     </dgm:pt>
     <dgm:pt modelId="{22AA38C0-AD62-42B8-89AF-A48CF0367B2E}" type="sibTrans" cxnId="{DF9803D8-02AE-47A5-8E56-EEA76A366FEC}">
+      <dgm:prSet/>
+      <dgm:spPr/>
+      <dgm:t>
+        <a:bodyPr/>
+        <a:lstStyle/>
+        <a:p>
+          <a:endParaRPr lang="en-GB"/>
+        </a:p>
+      </dgm:t>
+    </dgm:pt>
+    <dgm:pt modelId="{C6B34E6B-AE82-CF41-862C-E6CAEE55F43B}">
+      <dgm:prSet phldrT="[Text]" custT="1"/>
+      <dgm:spPr/>
+      <dgm:t>
+        <a:bodyPr/>
+        <a:lstStyle/>
+        <a:p>
+          <a:r>
+            <a:rPr lang="en-GB" sz="2000" dirty="0"/>
+            <a:t>No Joins</a:t>
+          </a:r>
+        </a:p>
+      </dgm:t>
+    </dgm:pt>
+    <dgm:pt modelId="{F4DF03B3-3F25-0844-8DE2-A6C7F204531B}" type="parTrans" cxnId="{AF796031-6893-8C49-8745-C8A5268E8A01}">
+      <dgm:prSet/>
+      <dgm:spPr/>
+      <dgm:t>
+        <a:bodyPr/>
+        <a:lstStyle/>
+        <a:p>
+          <a:endParaRPr lang="en-GB"/>
+        </a:p>
+      </dgm:t>
+    </dgm:pt>
+    <dgm:pt modelId="{ED096270-9153-A045-AD9D-171189A09398}" type="sibTrans" cxnId="{AF796031-6893-8C49-8745-C8A5268E8A01}">
+      <dgm:prSet/>
+      <dgm:spPr/>
+      <dgm:t>
+        <a:bodyPr/>
+        <a:lstStyle/>
+        <a:p>
+          <a:endParaRPr lang="en-GB"/>
+        </a:p>
+      </dgm:t>
+    </dgm:pt>
+    <dgm:pt modelId="{D9F26E22-05EF-8547-8A88-9DE98A5A3C57}">
+      <dgm:prSet phldrT="[Text]" custT="1"/>
+      <dgm:spPr/>
+      <dgm:t>
+        <a:bodyPr/>
+        <a:lstStyle/>
+        <a:p>
+          <a:r>
+            <a:rPr lang="en-GB" sz="2000" dirty="0"/>
+            <a:t>More object-oriented</a:t>
+          </a:r>
+        </a:p>
+      </dgm:t>
+    </dgm:pt>
+    <dgm:pt modelId="{B6C7B5C4-3382-4F4C-819F-2EA952257F41}" type="parTrans" cxnId="{E6884E8D-EFB8-A448-88B9-6F8614620ECD}">
+      <dgm:prSet/>
+      <dgm:spPr/>
+      <dgm:t>
+        <a:bodyPr/>
+        <a:lstStyle/>
+        <a:p>
+          <a:endParaRPr lang="en-GB"/>
+        </a:p>
+      </dgm:t>
+    </dgm:pt>
+    <dgm:pt modelId="{96580A9E-6BA9-DF4B-911E-1914AEC77639}" type="sibTrans" cxnId="{E6884E8D-EFB8-A448-88B9-6F8614620ECD}">
+      <dgm:prSet/>
+      <dgm:spPr/>
+      <dgm:t>
+        <a:bodyPr/>
+        <a:lstStyle/>
+        <a:p>
+          <a:endParaRPr lang="en-GB"/>
+        </a:p>
+      </dgm:t>
+    </dgm:pt>
+    <dgm:pt modelId="{4A969C1A-5365-B64A-9C29-6FCD79A2DDD5}">
+      <dgm:prSet phldrT="[Text]" custT="1"/>
+      <dgm:spPr/>
+      <dgm:t>
+        <a:bodyPr/>
+        <a:lstStyle/>
+        <a:p>
+          <a:r>
+            <a:rPr lang="en-GB" sz="2000" dirty="0"/>
+            <a:t>No ALTER TABLE</a:t>
+          </a:r>
+        </a:p>
+      </dgm:t>
+    </dgm:pt>
+    <dgm:pt modelId="{CA5AAB29-7F39-BA42-A06D-39EAB3DF19A1}" type="parTrans" cxnId="{9CA8B563-0AA8-9C4D-85A9-A73A3818EF21}">
+      <dgm:prSet/>
+      <dgm:spPr/>
+      <dgm:t>
+        <a:bodyPr/>
+        <a:lstStyle/>
+        <a:p>
+          <a:endParaRPr lang="en-GB"/>
+        </a:p>
+      </dgm:t>
+    </dgm:pt>
+    <dgm:pt modelId="{59097C0D-2F63-1248-9F52-24D55B6B49C5}" type="sibTrans" cxnId="{9CA8B563-0AA8-9C4D-85A9-A73A3818EF21}">
+      <dgm:prSet/>
+      <dgm:spPr/>
+      <dgm:t>
+        <a:bodyPr/>
+        <a:lstStyle/>
+        <a:p>
+          <a:endParaRPr lang="en-GB"/>
+        </a:p>
+      </dgm:t>
+    </dgm:pt>
+    <dgm:pt modelId="{E16B5981-0532-034D-B781-3EF4FD111A3D}">
+      <dgm:prSet phldrT="[Text]" custT="1"/>
+      <dgm:spPr/>
+      <dgm:t>
+        <a:bodyPr/>
+        <a:lstStyle/>
+        <a:p>
+          <a:r>
+            <a:rPr lang="en-GB" sz="2000" dirty="0"/>
+            <a:t>Can cause inconsistencies</a:t>
+          </a:r>
+        </a:p>
+      </dgm:t>
+    </dgm:pt>
+    <dgm:pt modelId="{B1EE963B-AC60-4B4E-8520-4D6D205C871E}" type="parTrans" cxnId="{4D16E515-4A8E-974D-B2B4-BFAD9213D1D6}">
+      <dgm:prSet/>
+      <dgm:spPr/>
+      <dgm:t>
+        <a:bodyPr/>
+        <a:lstStyle/>
+        <a:p>
+          <a:endParaRPr lang="en-GB"/>
+        </a:p>
+      </dgm:t>
+    </dgm:pt>
+    <dgm:pt modelId="{FBE58CDA-5149-CA4F-80BA-3B093D840FF7}" type="sibTrans" cxnId="{4D16E515-4A8E-974D-B2B4-BFAD9213D1D6}">
+      <dgm:prSet/>
+      <dgm:spPr/>
+      <dgm:t>
+        <a:bodyPr/>
+        <a:lstStyle/>
+        <a:p>
+          <a:endParaRPr lang="en-GB"/>
+        </a:p>
+      </dgm:t>
+    </dgm:pt>
+    <dgm:pt modelId="{FE86BDF1-6C1C-6B49-95A3-64972B6266DA}">
+      <dgm:prSet phldrT="[Text]" custT="1"/>
+      <dgm:spPr/>
+      <dgm:t>
+        <a:bodyPr/>
+        <a:lstStyle/>
+        <a:p>
+          <a:r>
+            <a:rPr lang="en-US" sz="2000" dirty="0"/>
+            <a:t> (sometimes)</a:t>
+          </a:r>
+          <a:endParaRPr lang="en-GB" sz="2000" dirty="0"/>
+        </a:p>
+      </dgm:t>
+    </dgm:pt>
+    <dgm:pt modelId="{02E5AC09-25AE-D549-84DE-40D6C3561D6A}" type="parTrans" cxnId="{CC5CA347-D656-C54B-BCEC-11F6A59488A4}">
+      <dgm:prSet/>
+      <dgm:spPr/>
+      <dgm:t>
+        <a:bodyPr/>
+        <a:lstStyle/>
+        <a:p>
+          <a:endParaRPr lang="en-GB"/>
+        </a:p>
+      </dgm:t>
+    </dgm:pt>
+    <dgm:pt modelId="{F04F1D6D-D9BE-184A-8DA1-436D7074D4EE}" type="sibTrans" cxnId="{CC5CA347-D656-C54B-BCEC-11F6A59488A4}">
+      <dgm:prSet/>
+      <dgm:spPr/>
+      <dgm:t>
+        <a:bodyPr/>
+        <a:lstStyle/>
+        <a:p>
+          <a:endParaRPr lang="en-GB"/>
+        </a:p>
+      </dgm:t>
+    </dgm:pt>
+    <dgm:pt modelId="{01E573D5-AA7A-9141-A59A-F5E667903B0D}">
+      <dgm:prSet phldrT="[Text]" custT="1"/>
+      <dgm:spPr/>
+      <dgm:t>
+        <a:bodyPr/>
+        <a:lstStyle/>
+        <a:p>
+          <a:r>
+            <a:rPr lang="en-GB" sz="2000" dirty="0"/>
+            <a:t>No SQL </a:t>
+          </a:r>
+        </a:p>
+      </dgm:t>
+    </dgm:pt>
+    <dgm:pt modelId="{CC8C903D-5C32-0044-8A3D-717416C61940}" type="parTrans" cxnId="{B28F1765-AD32-864C-ABE0-CC5927E43665}">
+      <dgm:prSet/>
+      <dgm:spPr/>
+      <dgm:t>
+        <a:bodyPr/>
+        <a:lstStyle/>
+        <a:p>
+          <a:endParaRPr lang="en-GB"/>
+        </a:p>
+      </dgm:t>
+    </dgm:pt>
+    <dgm:pt modelId="{0ED1D269-44DB-A846-A92F-F180B5A0CAC4}" type="sibTrans" cxnId="{B28F1765-AD32-864C-ABE0-CC5927E43665}">
       <dgm:prSet/>
       <dgm:spPr/>
       <dgm:t>
@@ -1391,23 +1608,35 @@
     </dgm:pt>
   </dgm:ptLst>
   <dgm:cxnLst>
+    <dgm:cxn modelId="{4387E204-E065-5B4F-9A4C-A9E1FA068070}" type="presOf" srcId="{4A969C1A-5365-B64A-9C29-6FCD79A2DDD5}" destId="{CE669AF2-8E9D-4B8C-BCA2-E332FC2D90BA}" srcOrd="0" destOrd="5" presId="urn:microsoft.com/office/officeart/2005/8/layout/hList1"/>
+    <dgm:cxn modelId="{4D16E515-4A8E-974D-B2B4-BFAD9213D1D6}" srcId="{EA21574D-ADB2-4191-934C-8BA6E5B691B0}" destId="{E16B5981-0532-034D-B781-3EF4FD111A3D}" srcOrd="0" destOrd="0" parTransId="{B1EE963B-AC60-4B4E-8520-4D6D205C871E}" sibTransId="{FBE58CDA-5149-CA4F-80BA-3B093D840FF7}"/>
     <dgm:cxn modelId="{E98E4E27-D698-4DB6-932A-B97CCE5F7324}" type="presOf" srcId="{50CE7B3E-78EE-44F8-AE6C-313BFE2A58BB}" destId="{CE669AF2-8E9D-4B8C-BCA2-E332FC2D90BA}" srcOrd="0" destOrd="0" presId="urn:microsoft.com/office/officeart/2005/8/layout/hList1"/>
+    <dgm:cxn modelId="{AF796031-6893-8C49-8745-C8A5268E8A01}" srcId="{50CE7B3E-78EE-44F8-AE6C-313BFE2A58BB}" destId="{C6B34E6B-AE82-CF41-862C-E6CAEE55F43B}" srcOrd="0" destOrd="0" parTransId="{F4DF03B3-3F25-0844-8DE2-A6C7F204531B}" sibTransId="{ED096270-9153-A045-AD9D-171189A09398}"/>
     <dgm:cxn modelId="{F4E19744-D18B-4386-9359-157AA7AC515D}" srcId="{2925E8E3-C660-4937-932D-85EDCDCCD1AA}" destId="{1715B7CA-C4D7-47FF-B339-AF2AD51ABBEB}" srcOrd="0" destOrd="0" parTransId="{5182B347-96BF-4B2E-9A01-EAE0F31E60F1}" sibTransId="{BA66A035-66F8-4C5D-81CF-328E648EFAED}"/>
-    <dgm:cxn modelId="{A4972C69-5BCC-451B-AC2B-70CCD59EC50E}" srcId="{1715B7CA-C4D7-47FF-B339-AF2AD51ABBEB}" destId="{F4DF0B46-0B75-4EB6-BE90-3AEC2F4A001C}" srcOrd="2" destOrd="0" parTransId="{F5474150-93D8-47DE-A62B-458EE75A7031}" sibTransId="{3AE97C17-3FEE-4654-B90B-A96D5B5A4901}"/>
-    <dgm:cxn modelId="{B434CC6E-8834-489F-A772-9D951730DD14}" srcId="{1715B7CA-C4D7-47FF-B339-AF2AD51ABBEB}" destId="{50CE7B3E-78EE-44F8-AE6C-313BFE2A58BB}" srcOrd="0" destOrd="0" parTransId="{67B8BDB6-97A4-4FAB-A9CC-9CCE06ED058C}" sibTransId="{7916AC48-D079-4EC2-86A6-15C7383630D9}"/>
+    <dgm:cxn modelId="{CC5CA347-D656-C54B-BCEC-11F6A59488A4}" srcId="{C33935BE-312B-4650-938B-3FED922A8394}" destId="{FE86BDF1-6C1C-6B49-95A3-64972B6266DA}" srcOrd="0" destOrd="0" parTransId="{02E5AC09-25AE-D549-84DE-40D6C3561D6A}" sibTransId="{F04F1D6D-D9BE-184A-8DA1-436D7074D4EE}"/>
     <dgm:cxn modelId="{660B0552-CFFD-4674-9354-88E12544163D}" type="presOf" srcId="{E763743F-C96A-4C4C-95AF-2516D58F8B18}" destId="{947AD6CD-25CC-4CA2-90D8-4BD5D3FDD6D2}" srcOrd="0" destOrd="0" presId="urn:microsoft.com/office/officeart/2005/8/layout/hList1"/>
     <dgm:cxn modelId="{1207D057-E1DB-451F-85CA-9479DF13DCCC}" srcId="{E763743F-C96A-4C4C-95AF-2516D58F8B18}" destId="{EA21574D-ADB2-4191-934C-8BA6E5B691B0}" srcOrd="0" destOrd="0" parTransId="{8ED16E87-2C18-4409-B47A-6EBA9A6D088B}" sibTransId="{2B80BEF4-27AE-4117-A0FC-55E1C7C9E5BB}"/>
+    <dgm:cxn modelId="{9CA8B563-0AA8-9C4D-85A9-A73A3818EF21}" srcId="{F4DF0B46-0B75-4EB6-BE90-3AEC2F4A001C}" destId="{4A969C1A-5365-B64A-9C29-6FCD79A2DDD5}" srcOrd="0" destOrd="0" parTransId="{CA5AAB29-7F39-BA42-A06D-39EAB3DF19A1}" sibTransId="{59097C0D-2F63-1248-9F52-24D55B6B49C5}"/>
+    <dgm:cxn modelId="{B28F1765-AD32-864C-ABE0-CC5927E43665}" srcId="{592C3728-B81B-4E6C-9AF6-234684517CED}" destId="{01E573D5-AA7A-9141-A59A-F5E667903B0D}" srcOrd="0" destOrd="0" parTransId="{CC8C903D-5C32-0044-8A3D-717416C61940}" sibTransId="{0ED1D269-44DB-A846-A92F-F180B5A0CAC4}"/>
+    <dgm:cxn modelId="{A4972C69-5BCC-451B-AC2B-70CCD59EC50E}" srcId="{1715B7CA-C4D7-47FF-B339-AF2AD51ABBEB}" destId="{F4DF0B46-0B75-4EB6-BE90-3AEC2F4A001C}" srcOrd="2" destOrd="0" parTransId="{F5474150-93D8-47DE-A62B-458EE75A7031}" sibTransId="{3AE97C17-3FEE-4654-B90B-A96D5B5A4901}"/>
+    <dgm:cxn modelId="{9BA1276A-0085-2E42-B9A7-A4C34F9BB5B7}" type="presOf" srcId="{C6B34E6B-AE82-CF41-862C-E6CAEE55F43B}" destId="{CE669AF2-8E9D-4B8C-BCA2-E332FC2D90BA}" srcOrd="0" destOrd="1" presId="urn:microsoft.com/office/officeart/2005/8/layout/hList1"/>
+    <dgm:cxn modelId="{B434CC6E-8834-489F-A772-9D951730DD14}" srcId="{1715B7CA-C4D7-47FF-B339-AF2AD51ABBEB}" destId="{50CE7B3E-78EE-44F8-AE6C-313BFE2A58BB}" srcOrd="0" destOrd="0" parTransId="{67B8BDB6-97A4-4FAB-A9CC-9CCE06ED058C}" sibTransId="{7916AC48-D079-4EC2-86A6-15C7383630D9}"/>
+    <dgm:cxn modelId="{E6884E8D-EFB8-A448-88B9-6F8614620ECD}" srcId="{253628E4-63F9-4BC6-AA64-10A778A68A82}" destId="{D9F26E22-05EF-8547-8A88-9DE98A5A3C57}" srcOrd="0" destOrd="0" parTransId="{B6C7B5C4-3382-4F4C-819F-2EA952257F41}" sibTransId="{96580A9E-6BA9-DF4B-911E-1914AEC77639}"/>
+    <dgm:cxn modelId="{F0689598-1D70-5F44-8624-CDA840B48CF0}" type="presOf" srcId="{E16B5981-0532-034D-B781-3EF4FD111A3D}" destId="{F296E605-8DE9-4703-B8A6-4CC926692C15}" srcOrd="0" destOrd="1" presId="urn:microsoft.com/office/officeart/2005/8/layout/hList1"/>
     <dgm:cxn modelId="{22BA0C99-470E-49E1-83D9-144336F2B633}" type="presOf" srcId="{2925E8E3-C660-4937-932D-85EDCDCCD1AA}" destId="{B38D3CA8-5FC6-4ED8-B66E-5E0C187C0C51}" srcOrd="0" destOrd="0" presId="urn:microsoft.com/office/officeart/2005/8/layout/hList1"/>
-    <dgm:cxn modelId="{FE3BCCA0-5EEC-49B5-AC8D-F360E9F730FF}" type="presOf" srcId="{253628E4-63F9-4BC6-AA64-10A778A68A82}" destId="{CE669AF2-8E9D-4B8C-BCA2-E332FC2D90BA}" srcOrd="0" destOrd="1" presId="urn:microsoft.com/office/officeart/2005/8/layout/hList1"/>
-    <dgm:cxn modelId="{779B7CA5-EB8F-4086-B69C-67BBF1034313}" type="presOf" srcId="{C33935BE-312B-4650-938B-3FED922A8394}" destId="{F296E605-8DE9-4703-B8A6-4CC926692C15}" srcOrd="0" destOrd="1" presId="urn:microsoft.com/office/officeart/2005/8/layout/hList1"/>
+    <dgm:cxn modelId="{FE3BCCA0-5EEC-49B5-AC8D-F360E9F730FF}" type="presOf" srcId="{253628E4-63F9-4BC6-AA64-10A778A68A82}" destId="{CE669AF2-8E9D-4B8C-BCA2-E332FC2D90BA}" srcOrd="0" destOrd="2" presId="urn:microsoft.com/office/officeart/2005/8/layout/hList1"/>
+    <dgm:cxn modelId="{779B7CA5-EB8F-4086-B69C-67BBF1034313}" type="presOf" srcId="{C33935BE-312B-4650-938B-3FED922A8394}" destId="{F296E605-8DE9-4703-B8A6-4CC926692C15}" srcOrd="0" destOrd="2" presId="urn:microsoft.com/office/officeart/2005/8/layout/hList1"/>
     <dgm:cxn modelId="{933C6EA8-4A00-4663-8DDF-8ECB59EF5356}" type="presOf" srcId="{EA21574D-ADB2-4191-934C-8BA6E5B691B0}" destId="{F296E605-8DE9-4703-B8A6-4CC926692C15}" srcOrd="0" destOrd="0" presId="urn:microsoft.com/office/officeart/2005/8/layout/hList1"/>
+    <dgm:cxn modelId="{A5F874A8-28D1-FF44-AA91-9FF1263A76DB}" type="presOf" srcId="{FE86BDF1-6C1C-6B49-95A3-64972B6266DA}" destId="{F296E605-8DE9-4703-B8A6-4CC926692C15}" srcOrd="0" destOrd="3" presId="urn:microsoft.com/office/officeart/2005/8/layout/hList1"/>
+    <dgm:cxn modelId="{89AEC5AA-661C-4A4B-B38B-1B8E58597428}" type="presOf" srcId="{D9F26E22-05EF-8547-8A88-9DE98A5A3C57}" destId="{CE669AF2-8E9D-4B8C-BCA2-E332FC2D90BA}" srcOrd="0" destOrd="3" presId="urn:microsoft.com/office/officeart/2005/8/layout/hList1"/>
     <dgm:cxn modelId="{C01E37CA-FE93-4E8E-9D0E-C6DF53FFC68C}" type="presOf" srcId="{1715B7CA-C4D7-47FF-B339-AF2AD51ABBEB}" destId="{6435D7C2-CEA5-48C8-B00B-FC970F1A7EA4}" srcOrd="0" destOrd="0" presId="urn:microsoft.com/office/officeart/2005/8/layout/hList1"/>
     <dgm:cxn modelId="{DF9803D8-02AE-47A5-8E56-EEA76A366FEC}" srcId="{E763743F-C96A-4C4C-95AF-2516D58F8B18}" destId="{592C3728-B81B-4E6C-9AF6-234684517CED}" srcOrd="2" destOrd="0" parTransId="{39CD68D6-F139-475B-B3D1-93619CAFFDED}" sibTransId="{22AA38C0-AD62-42B8-89AF-A48CF0367B2E}"/>
+    <dgm:cxn modelId="{55B663DB-82E0-C84D-B5E0-5718CF5F60BB}" type="presOf" srcId="{01E573D5-AA7A-9141-A59A-F5E667903B0D}" destId="{F296E605-8DE9-4703-B8A6-4CC926692C15}" srcOrd="0" destOrd="5" presId="urn:microsoft.com/office/officeart/2005/8/layout/hList1"/>
     <dgm:cxn modelId="{C85E6EE2-FA95-4FC0-AD7A-AEF32918961D}" srcId="{1715B7CA-C4D7-47FF-B339-AF2AD51ABBEB}" destId="{253628E4-63F9-4BC6-AA64-10A778A68A82}" srcOrd="1" destOrd="0" parTransId="{CFFD9FEC-704E-47BE-8F35-D9C96E8B972D}" sibTransId="{AAE9FF49-21C0-46CF-8951-AC9AE2160541}"/>
-    <dgm:cxn modelId="{E3C94DE6-0210-427D-85B7-089FEDB4D82F}" type="presOf" srcId="{592C3728-B81B-4E6C-9AF6-234684517CED}" destId="{F296E605-8DE9-4703-B8A6-4CC926692C15}" srcOrd="0" destOrd="2" presId="urn:microsoft.com/office/officeart/2005/8/layout/hList1"/>
+    <dgm:cxn modelId="{E3C94DE6-0210-427D-85B7-089FEDB4D82F}" type="presOf" srcId="{592C3728-B81B-4E6C-9AF6-234684517CED}" destId="{F296E605-8DE9-4703-B8A6-4CC926692C15}" srcOrd="0" destOrd="4" presId="urn:microsoft.com/office/officeart/2005/8/layout/hList1"/>
     <dgm:cxn modelId="{3DA976E7-AD0A-41DD-B03B-DB6D764639F4}" srcId="{E763743F-C96A-4C4C-95AF-2516D58F8B18}" destId="{C33935BE-312B-4650-938B-3FED922A8394}" srcOrd="1" destOrd="0" parTransId="{156590B2-D59D-4C3C-9218-3EFA5B87C5FD}" sibTransId="{82041440-2591-4057-8EAE-B27DF3C06896}"/>
     <dgm:cxn modelId="{1250B2F0-BC81-4A64-8E7F-33B34CBC71A5}" srcId="{2925E8E3-C660-4937-932D-85EDCDCCD1AA}" destId="{E763743F-C96A-4C4C-95AF-2516D58F8B18}" srcOrd="1" destOrd="0" parTransId="{22260D45-D439-4638-9F02-A8756A9858EE}" sibTransId="{FDB8CAA1-8B8E-4FAD-A42A-BA85FAB43EA5}"/>
-    <dgm:cxn modelId="{8C1154F6-5783-4DDA-87AC-E88DDFB24AC1}" type="presOf" srcId="{F4DF0B46-0B75-4EB6-BE90-3AEC2F4A001C}" destId="{CE669AF2-8E9D-4B8C-BCA2-E332FC2D90BA}" srcOrd="0" destOrd="2" presId="urn:microsoft.com/office/officeart/2005/8/layout/hList1"/>
+    <dgm:cxn modelId="{8C1154F6-5783-4DDA-87AC-E88DDFB24AC1}" type="presOf" srcId="{F4DF0B46-0B75-4EB6-BE90-3AEC2F4A001C}" destId="{CE669AF2-8E9D-4B8C-BCA2-E332FC2D90BA}" srcOrd="0" destOrd="4" presId="urn:microsoft.com/office/officeart/2005/8/layout/hList1"/>
     <dgm:cxn modelId="{598B730D-BBC7-49D8-BFC2-BB647E11CC2E}" type="presParOf" srcId="{B38D3CA8-5FC6-4ED8-B66E-5E0C187C0C51}" destId="{E4532A4D-0C80-4850-870E-EF229D2C524D}" srcOrd="0" destOrd="0" presId="urn:microsoft.com/office/officeart/2005/8/layout/hList1"/>
     <dgm:cxn modelId="{FDBCC84C-DFC7-4CD2-93D9-195EA37C8D91}" type="presParOf" srcId="{E4532A4D-0C80-4850-870E-EF229D2C524D}" destId="{6435D7C2-CEA5-48C8-B00B-FC970F1A7EA4}" srcOrd="0" destOrd="0" presId="urn:microsoft.com/office/officeart/2005/8/layout/hList1"/>
     <dgm:cxn modelId="{F2D97475-BE12-4E20-88C9-AADA16432C84}" type="presParOf" srcId="{E4532A4D-0C80-4850-870E-EF229D2C524D}" destId="{CE669AF2-8E9D-4B8C-BCA2-E332FC2D90BA}" srcOrd="1" destOrd="0" presId="urn:microsoft.com/office/officeart/2005/8/layout/hList1"/>
@@ -1420,7 +1649,7 @@
   <dgm:whole/>
   <dgm:extLst>
     <a:ext uri="http://schemas.microsoft.com/office/drawing/2008/diagram">
-      <dsp:dataModelExt xmlns:dsp="http://schemas.microsoft.com/office/drawing/2008/diagram" relId="rId6" minVer="http://schemas.openxmlformats.org/drawingml/2006/diagram"/>
+      <dsp:dataModelExt xmlns:dsp="http://schemas.microsoft.com/office/drawing/2008/diagram" relId="rId7" minVer="http://schemas.openxmlformats.org/drawingml/2006/diagram"/>
     </a:ext>
   </dgm:extLst>
 </dgm:dataModel>
@@ -1441,8 +1670,8 @@
       </dsp:nvSpPr>
       <dsp:spPr>
         <a:xfrm>
-          <a:off x="39" y="37912"/>
-          <a:ext cx="3736072" cy="864000"/>
+          <a:off x="39" y="23263"/>
+          <a:ext cx="3736072" cy="432000"/>
         </a:xfrm>
         <a:prstGeom prst="rect">
           <a:avLst/>
@@ -1483,12 +1712,12 @@
         </a:fontRef>
       </dsp:style>
       <dsp:txBody>
-        <a:bodyPr spcFirstLastPara="0" vert="horz" wrap="square" lIns="213360" tIns="121920" rIns="213360" bIns="121920" numCol="1" spcCol="1270" anchor="ctr" anchorCtr="0">
+        <a:bodyPr spcFirstLastPara="0" vert="horz" wrap="square" lIns="106680" tIns="60960" rIns="106680" bIns="60960" numCol="1" spcCol="1270" anchor="ctr" anchorCtr="0">
           <a:noAutofit/>
         </a:bodyPr>
         <a:lstStyle/>
         <a:p>
-          <a:pPr marL="0" lvl="0" indent="0" algn="ctr" defTabSz="1333500">
+          <a:pPr marL="0" lvl="0" indent="0" algn="ctr" defTabSz="666750">
             <a:lnSpc>
               <a:spcPct val="90000"/>
             </a:lnSpc>
@@ -1501,15 +1730,15 @@
             <a:buNone/>
           </a:pPr>
           <a:r>
-            <a:rPr lang="en-US" sz="3000" kern="1200" dirty="0"/>
+            <a:rPr lang="en-US" sz="1500" kern="1200" dirty="0"/>
             <a:t>Advantages</a:t>
           </a:r>
-          <a:endParaRPr lang="en-GB" sz="3000" kern="1200" dirty="0"/>
+          <a:endParaRPr lang="en-GB" sz="1500" kern="1200" dirty="0"/>
         </a:p>
       </dsp:txBody>
       <dsp:txXfrm>
-        <a:off x="39" y="37912"/>
-        <a:ext cx="3736072" cy="864000"/>
+        <a:off x="39" y="23263"/>
+        <a:ext cx="3736072" cy="432000"/>
       </dsp:txXfrm>
     </dsp:sp>
     <dsp:sp modelId="{CE669AF2-8E9D-4B8C-BCA2-E332FC2D90BA}">
@@ -1519,8 +1748,8 @@
       </dsp:nvSpPr>
       <dsp:spPr>
         <a:xfrm>
-          <a:off x="39" y="901912"/>
-          <a:ext cx="3736072" cy="2511675"/>
+          <a:off x="39" y="455263"/>
+          <a:ext cx="3736072" cy="2594025"/>
         </a:xfrm>
         <a:prstGeom prst="rect">
           <a:avLst/>
@@ -1563,12 +1792,12 @@
         <a:fontRef idx="minor"/>
       </dsp:style>
       <dsp:txBody>
-        <a:bodyPr spcFirstLastPara="0" vert="horz" wrap="square" lIns="160020" tIns="160020" rIns="213360" bIns="240030" numCol="1" spcCol="1270" anchor="t" anchorCtr="0">
+        <a:bodyPr spcFirstLastPara="0" vert="horz" wrap="square" lIns="128016" tIns="128016" rIns="170688" bIns="192024" numCol="1" spcCol="1270" anchor="t" anchorCtr="0">
           <a:noAutofit/>
         </a:bodyPr>
         <a:lstStyle/>
         <a:p>
-          <a:pPr marL="285750" lvl="1" indent="-285750" algn="l" defTabSz="1333500">
+          <a:pPr marL="228600" lvl="1" indent="-228600" algn="l" defTabSz="1066800">
             <a:lnSpc>
               <a:spcPct val="90000"/>
             </a:lnSpc>
@@ -1581,13 +1810,13 @@
             <a:buChar char="•"/>
           </a:pPr>
           <a:r>
-            <a:rPr lang="en-US" sz="3000" kern="1200" dirty="0"/>
+            <a:rPr lang="en-US" sz="2400" kern="1200" dirty="0"/>
             <a:t>Fast lookups</a:t>
           </a:r>
-          <a:endParaRPr lang="en-GB" sz="3000" kern="1200" dirty="0"/>
+          <a:endParaRPr lang="en-GB" sz="2400" kern="1200" dirty="0"/>
         </a:p>
         <a:p>
-          <a:pPr marL="285750" lvl="1" indent="-285750" algn="l" defTabSz="1333500">
+          <a:pPr marL="457200" lvl="2" indent="-228600" algn="l" defTabSz="889000">
             <a:lnSpc>
               <a:spcPct val="90000"/>
             </a:lnSpc>
@@ -1600,13 +1829,12 @@
             <a:buChar char="•"/>
           </a:pPr>
           <a:r>
-            <a:rPr lang="en-US" sz="3000" kern="1200" dirty="0"/>
-            <a:t>Easy for programmers</a:t>
+            <a:rPr lang="en-GB" sz="2000" kern="1200" dirty="0"/>
+            <a:t>No Joins</a:t>
           </a:r>
-          <a:endParaRPr lang="en-GB" sz="3000" kern="1200" dirty="0"/>
         </a:p>
         <a:p>
-          <a:pPr marL="285750" lvl="1" indent="-285750" algn="l" defTabSz="1333500">
+          <a:pPr marL="228600" lvl="1" indent="-228600" algn="l" defTabSz="1066800">
             <a:lnSpc>
               <a:spcPct val="90000"/>
             </a:lnSpc>
@@ -1619,15 +1847,70 @@
             <a:buChar char="•"/>
           </a:pPr>
           <a:r>
-            <a:rPr lang="en-US" sz="3000" kern="1200" dirty="0"/>
+            <a:rPr lang="en-US" sz="2400" kern="1200" dirty="0"/>
+            <a:t>Easy for programmers</a:t>
+          </a:r>
+          <a:endParaRPr lang="en-GB" sz="2400" kern="1200" dirty="0"/>
+        </a:p>
+        <a:p>
+          <a:pPr marL="457200" lvl="2" indent="-228600" algn="l" defTabSz="889000">
+            <a:lnSpc>
+              <a:spcPct val="90000"/>
+            </a:lnSpc>
+            <a:spcBef>
+              <a:spcPct val="0"/>
+            </a:spcBef>
+            <a:spcAft>
+              <a:spcPct val="15000"/>
+            </a:spcAft>
+            <a:buChar char="•"/>
+          </a:pPr>
+          <a:r>
+            <a:rPr lang="en-GB" sz="2000" kern="1200" dirty="0"/>
+            <a:t>More object-oriented</a:t>
+          </a:r>
+        </a:p>
+        <a:p>
+          <a:pPr marL="228600" lvl="1" indent="-228600" algn="l" defTabSz="1066800">
+            <a:lnSpc>
+              <a:spcPct val="90000"/>
+            </a:lnSpc>
+            <a:spcBef>
+              <a:spcPct val="0"/>
+            </a:spcBef>
+            <a:spcAft>
+              <a:spcPct val="15000"/>
+            </a:spcAft>
+            <a:buChar char="•"/>
+          </a:pPr>
+          <a:r>
+            <a:rPr lang="en-US" sz="2400" kern="1200" dirty="0"/>
             <a:t>Rapid development </a:t>
           </a:r>
-          <a:endParaRPr lang="en-GB" sz="3000" kern="1200" dirty="0"/>
+          <a:endParaRPr lang="en-GB" sz="2400" kern="1200" dirty="0"/>
+        </a:p>
+        <a:p>
+          <a:pPr marL="457200" lvl="2" indent="-228600" algn="l" defTabSz="889000">
+            <a:lnSpc>
+              <a:spcPct val="90000"/>
+            </a:lnSpc>
+            <a:spcBef>
+              <a:spcPct val="0"/>
+            </a:spcBef>
+            <a:spcAft>
+              <a:spcPct val="15000"/>
+            </a:spcAft>
+            <a:buChar char="•"/>
+          </a:pPr>
+          <a:r>
+            <a:rPr lang="en-GB" sz="2000" kern="1200" dirty="0"/>
+            <a:t>No ALTER TABLE</a:t>
+          </a:r>
         </a:p>
       </dsp:txBody>
       <dsp:txXfrm>
-        <a:off x="39" y="901912"/>
-        <a:ext cx="3736072" cy="2511675"/>
+        <a:off x="39" y="455263"/>
+        <a:ext cx="3736072" cy="2594025"/>
       </dsp:txXfrm>
     </dsp:sp>
     <dsp:sp modelId="{947AD6CD-25CC-4CA2-90D8-4BD5D3FDD6D2}">
@@ -1637,8 +1920,8 @@
       </dsp:nvSpPr>
       <dsp:spPr>
         <a:xfrm>
-          <a:off x="4259162" y="37912"/>
-          <a:ext cx="3736072" cy="864000"/>
+          <a:off x="4259162" y="23263"/>
+          <a:ext cx="3736072" cy="432000"/>
         </a:xfrm>
         <a:prstGeom prst="rect">
           <a:avLst/>
@@ -1679,12 +1962,12 @@
         </a:fontRef>
       </dsp:style>
       <dsp:txBody>
-        <a:bodyPr spcFirstLastPara="0" vert="horz" wrap="square" lIns="213360" tIns="121920" rIns="213360" bIns="121920" numCol="1" spcCol="1270" anchor="ctr" anchorCtr="0">
+        <a:bodyPr spcFirstLastPara="0" vert="horz" wrap="square" lIns="106680" tIns="60960" rIns="106680" bIns="60960" numCol="1" spcCol="1270" anchor="ctr" anchorCtr="0">
           <a:noAutofit/>
         </a:bodyPr>
         <a:lstStyle/>
         <a:p>
-          <a:pPr marL="0" lvl="0" indent="0" algn="ctr" defTabSz="1333500">
+          <a:pPr marL="0" lvl="0" indent="0" algn="ctr" defTabSz="666750">
             <a:lnSpc>
               <a:spcPct val="90000"/>
             </a:lnSpc>
@@ -1697,15 +1980,15 @@
             <a:buNone/>
           </a:pPr>
           <a:r>
-            <a:rPr lang="en-US" sz="3000" kern="1200" dirty="0"/>
+            <a:rPr lang="en-US" sz="1500" kern="1200" dirty="0"/>
             <a:t>Disadvantages</a:t>
           </a:r>
-          <a:endParaRPr lang="en-GB" sz="3000" kern="1200" dirty="0"/>
+          <a:endParaRPr lang="en-GB" sz="1500" kern="1200" dirty="0"/>
         </a:p>
       </dsp:txBody>
       <dsp:txXfrm>
-        <a:off x="4259162" y="37912"/>
-        <a:ext cx="3736072" cy="864000"/>
+        <a:off x="4259162" y="23263"/>
+        <a:ext cx="3736072" cy="432000"/>
       </dsp:txXfrm>
     </dsp:sp>
     <dsp:sp modelId="{F296E605-8DE9-4703-B8A6-4CC926692C15}">
@@ -1715,8 +1998,8 @@
       </dsp:nvSpPr>
       <dsp:spPr>
         <a:xfrm>
-          <a:off x="4259162" y="901912"/>
-          <a:ext cx="3736072" cy="2511675"/>
+          <a:off x="4259162" y="455263"/>
+          <a:ext cx="3736072" cy="2594025"/>
         </a:xfrm>
         <a:prstGeom prst="rect">
           <a:avLst/>
@@ -1759,12 +2042,12 @@
         <a:fontRef idx="minor"/>
       </dsp:style>
       <dsp:txBody>
-        <a:bodyPr spcFirstLastPara="0" vert="horz" wrap="square" lIns="160020" tIns="160020" rIns="213360" bIns="240030" numCol="1" spcCol="1270" anchor="t" anchorCtr="0">
+        <a:bodyPr spcFirstLastPara="0" vert="horz" wrap="square" lIns="128016" tIns="128016" rIns="170688" bIns="192024" numCol="1" spcCol="1270" anchor="t" anchorCtr="0">
           <a:noAutofit/>
         </a:bodyPr>
         <a:lstStyle/>
         <a:p>
-          <a:pPr marL="285750" lvl="1" indent="-285750" algn="l" defTabSz="1333500">
+          <a:pPr marL="228600" lvl="1" indent="-228600" algn="l" defTabSz="1066800">
             <a:lnSpc>
               <a:spcPct val="90000"/>
             </a:lnSpc>
@@ -1777,13 +2060,13 @@
             <a:buChar char="•"/>
           </a:pPr>
           <a:r>
-            <a:rPr lang="en-US" sz="3000" kern="1200" dirty="0"/>
-            <a:t>Inconsistencies in data</a:t>
+            <a:rPr lang="en-US" sz="2400" kern="1200" dirty="0"/>
+            <a:t>Redundancy</a:t>
           </a:r>
-          <a:endParaRPr lang="en-GB" sz="3000" kern="1200" dirty="0"/>
+          <a:endParaRPr lang="en-GB" sz="2400" kern="1200" dirty="0"/>
         </a:p>
         <a:p>
-          <a:pPr marL="285750" lvl="1" indent="-285750" algn="l" defTabSz="1333500">
+          <a:pPr marL="457200" lvl="2" indent="-228600" algn="l" defTabSz="889000">
             <a:lnSpc>
               <a:spcPct val="90000"/>
             </a:lnSpc>
@@ -1796,13 +2079,12 @@
             <a:buChar char="•"/>
           </a:pPr>
           <a:r>
-            <a:rPr lang="en-US" sz="3000" kern="1200" dirty="0"/>
-            <a:t>Slower updates (sometimes)</a:t>
+            <a:rPr lang="en-GB" sz="2000" kern="1200" dirty="0"/>
+            <a:t>Can cause inconsistencies</a:t>
           </a:r>
-          <a:endParaRPr lang="en-GB" sz="3000" kern="1200" dirty="0"/>
         </a:p>
         <a:p>
-          <a:pPr marL="285750" lvl="1" indent="-285750" algn="l" defTabSz="1333500">
+          <a:pPr marL="228600" lvl="1" indent="-228600" algn="l" defTabSz="1066800">
             <a:lnSpc>
               <a:spcPct val="90000"/>
             </a:lnSpc>
@@ -1815,15 +2097,71 @@
             <a:buChar char="•"/>
           </a:pPr>
           <a:r>
-            <a:rPr lang="en-US" sz="3000" kern="1200" dirty="0"/>
-            <a:t>Analytics are hard</a:t>
+            <a:rPr lang="en-US" sz="2400" kern="1200" dirty="0"/>
+            <a:t>Slower updates</a:t>
           </a:r>
-          <a:endParaRPr lang="en-GB" sz="3000" kern="1200" dirty="0"/>
+          <a:endParaRPr lang="en-GB" sz="2400" kern="1200" dirty="0"/>
+        </a:p>
+        <a:p>
+          <a:pPr marL="457200" lvl="2" indent="-228600" algn="l" defTabSz="889000">
+            <a:lnSpc>
+              <a:spcPct val="90000"/>
+            </a:lnSpc>
+            <a:spcBef>
+              <a:spcPct val="0"/>
+            </a:spcBef>
+            <a:spcAft>
+              <a:spcPct val="15000"/>
+            </a:spcAft>
+            <a:buChar char="•"/>
+          </a:pPr>
+          <a:r>
+            <a:rPr lang="en-US" sz="2000" kern="1200" dirty="0"/>
+            <a:t> (sometimes)</a:t>
+          </a:r>
+          <a:endParaRPr lang="en-GB" sz="2000" kern="1200" dirty="0"/>
+        </a:p>
+        <a:p>
+          <a:pPr marL="228600" lvl="1" indent="-228600" algn="l" defTabSz="1066800">
+            <a:lnSpc>
+              <a:spcPct val="90000"/>
+            </a:lnSpc>
+            <a:spcBef>
+              <a:spcPct val="0"/>
+            </a:spcBef>
+            <a:spcAft>
+              <a:spcPct val="15000"/>
+            </a:spcAft>
+            <a:buChar char="•"/>
+          </a:pPr>
+          <a:r>
+            <a:rPr lang="en-US" sz="2400" kern="1200" dirty="0"/>
+            <a:t>Difficult analytics</a:t>
+          </a:r>
+          <a:endParaRPr lang="en-GB" sz="2400" kern="1200" dirty="0"/>
+        </a:p>
+        <a:p>
+          <a:pPr marL="457200" lvl="2" indent="-228600" algn="l" defTabSz="889000">
+            <a:lnSpc>
+              <a:spcPct val="90000"/>
+            </a:lnSpc>
+            <a:spcBef>
+              <a:spcPct val="0"/>
+            </a:spcBef>
+            <a:spcAft>
+              <a:spcPct val="15000"/>
+            </a:spcAft>
+            <a:buChar char="•"/>
+          </a:pPr>
+          <a:r>
+            <a:rPr lang="en-GB" sz="2000" kern="1200" dirty="0"/>
+            <a:t>No SQL </a:t>
+          </a:r>
         </a:p>
       </dsp:txBody>
       <dsp:txXfrm>
-        <a:off x="4259162" y="901912"/>
-        <a:ext cx="3736072" cy="2511675"/>
+        <a:off x="4259162" y="455263"/>
+        <a:ext cx="3736072" cy="2594025"/>
       </dsp:txXfrm>
     </dsp:sp>
   </dsp:spTree>
@@ -3759,6 +4097,67 @@
 </file>
 
 <file path=ppt/notesSlides/notesSlide4.xml><?xml version="1.0" encoding="utf-8"?>
+<p:notes xmlns:a="http://schemas.openxmlformats.org/drawingml/2006/main" xmlns:r="http://schemas.openxmlformats.org/officeDocument/2006/relationships" xmlns:p="http://schemas.openxmlformats.org/presentationml/2006/main">
+  <p:cSld>
+    <p:spTree>
+      <p:nvGrpSpPr>
+        <p:cNvPr id="1" name=""/>
+        <p:cNvGrpSpPr/>
+        <p:nvPr/>
+      </p:nvGrpSpPr>
+      <p:grpSpPr>
+        <a:xfrm>
+          <a:off x="0" y="0"/>
+          <a:ext cx="0" cy="0"/>
+          <a:chOff x="0" y="0"/>
+          <a:chExt cx="0" cy="0"/>
+        </a:xfrm>
+      </p:grpSpPr>
+      <p:sp>
+        <p:nvSpPr>
+          <p:cNvPr id="2" name="Slide Image Placeholder 1"/>
+          <p:cNvSpPr>
+            <a:spLocks noGrp="1" noRot="1" noChangeAspect="1"/>
+          </p:cNvSpPr>
+          <p:nvPr>
+            <p:ph type="sldImg"/>
+          </p:nvPr>
+        </p:nvSpPr>
+        <p:spPr/>
+      </p:sp>
+      <p:sp>
+        <p:nvSpPr>
+          <p:cNvPr id="3" name="Notes Placeholder 2"/>
+          <p:cNvSpPr>
+            <a:spLocks noGrp="1"/>
+          </p:cNvSpPr>
+          <p:nvPr>
+            <p:ph type="body" idx="1"/>
+          </p:nvPr>
+        </p:nvSpPr>
+        <p:spPr/>
+        <p:txBody>
+          <a:bodyPr/>
+          <a:lstStyle/>
+          <a:p>
+            <a:endParaRPr lang="en-US" dirty="0"/>
+          </a:p>
+        </p:txBody>
+      </p:sp>
+    </p:spTree>
+    <p:extLst>
+      <p:ext uri="{BB962C8B-B14F-4D97-AF65-F5344CB8AC3E}">
+        <p14:creationId xmlns:p14="http://schemas.microsoft.com/office/powerpoint/2010/main" val="2140383317"/>
+      </p:ext>
+    </p:extLst>
+  </p:cSld>
+  <p:clrMapOvr>
+    <a:masterClrMapping/>
+  </p:clrMapOvr>
+</p:notes>
+</file>
+
+<file path=ppt/notesSlides/notesSlide5.xml><?xml version="1.0" encoding="utf-8"?>
 <p:notes xmlns:a="http://schemas.openxmlformats.org/drawingml/2006/main" xmlns:r="http://schemas.openxmlformats.org/officeDocument/2006/relationships" xmlns:p="http://schemas.openxmlformats.org/presentationml/2006/main" showMasterSp="0" showMasterPhAnim="0">
   <p:cSld>
     <p:spTree>
@@ -3850,7 +4249,7 @@
               </a:spcAft>
               <a:buNone/>
             </a:pPr>
-            <a:endParaRPr/>
+            <a:endParaRPr dirty="0"/>
           </a:p>
         </p:txBody>
       </p:sp>
@@ -3862,7 +4261,7 @@
 </p:notes>
 </file>
 
-<file path=ppt/notesSlides/notesSlide5.xml><?xml version="1.0" encoding="utf-8"?>
+<file path=ppt/notesSlides/notesSlide6.xml><?xml version="1.0" encoding="utf-8"?>
 <p:notes xmlns:a="http://schemas.openxmlformats.org/drawingml/2006/main" xmlns:r="http://schemas.openxmlformats.org/officeDocument/2006/relationships" xmlns:p="http://schemas.openxmlformats.org/presentationml/2006/main" showMasterSp="0" showMasterPhAnim="0">
   <p:cSld>
     <p:spTree>
@@ -7744,6 +8143,245 @@
   <p:clrMapOvr>
     <a:masterClrMapping/>
   </p:clrMapOvr>
+  <p:timing>
+    <p:tnLst>
+      <p:par>
+        <p:cTn id="1" dur="indefinite" restart="never" nodeType="tmRoot">
+          <p:childTnLst>
+            <p:seq concurrent="1" nextAc="seek">
+              <p:cTn id="2" dur="indefinite" nodeType="mainSeq">
+                <p:childTnLst>
+                  <p:par>
+                    <p:cTn id="3" fill="hold">
+                      <p:stCondLst>
+                        <p:cond delay="indefinite"/>
+                      </p:stCondLst>
+                      <p:childTnLst>
+                        <p:par>
+                          <p:cTn id="4" fill="hold">
+                            <p:stCondLst>
+                              <p:cond delay="0"/>
+                            </p:stCondLst>
+                            <p:childTnLst>
+                              <p:par>
+                                <p:cTn id="5" presetID="1" presetClass="entr" presetSubtype="0" fill="hold" nodeType="clickEffect">
+                                  <p:stCondLst>
+                                    <p:cond delay="0"/>
+                                  </p:stCondLst>
+                                  <p:childTnLst>
+                                    <p:set>
+                                      <p:cBhvr>
+                                        <p:cTn id="6" dur="1" fill="hold">
+                                          <p:stCondLst>
+                                            <p:cond delay="0"/>
+                                          </p:stCondLst>
+                                        </p:cTn>
+                                        <p:tgtEl>
+                                          <p:spTgt spid="4">
+                                            <p:txEl>
+                                              <p:pRg st="0" end="0"/>
+                                            </p:txEl>
+                                          </p:spTgt>
+                                        </p:tgtEl>
+                                        <p:attrNameLst>
+                                          <p:attrName>style.visibility</p:attrName>
+                                        </p:attrNameLst>
+                                      </p:cBhvr>
+                                      <p:to>
+                                        <p:strVal val="visible"/>
+                                      </p:to>
+                                    </p:set>
+                                  </p:childTnLst>
+                                </p:cTn>
+                              </p:par>
+                            </p:childTnLst>
+                          </p:cTn>
+                        </p:par>
+                      </p:childTnLst>
+                    </p:cTn>
+                  </p:par>
+                  <p:par>
+                    <p:cTn id="7" fill="hold">
+                      <p:stCondLst>
+                        <p:cond delay="indefinite"/>
+                      </p:stCondLst>
+                      <p:childTnLst>
+                        <p:par>
+                          <p:cTn id="8" fill="hold">
+                            <p:stCondLst>
+                              <p:cond delay="0"/>
+                            </p:stCondLst>
+                            <p:childTnLst>
+                              <p:par>
+                                <p:cTn id="9" presetID="1" presetClass="entr" presetSubtype="0" fill="hold" nodeType="clickEffect">
+                                  <p:stCondLst>
+                                    <p:cond delay="0"/>
+                                  </p:stCondLst>
+                                  <p:childTnLst>
+                                    <p:set>
+                                      <p:cBhvr>
+                                        <p:cTn id="10" dur="1" fill="hold">
+                                          <p:stCondLst>
+                                            <p:cond delay="0"/>
+                                          </p:stCondLst>
+                                        </p:cTn>
+                                        <p:tgtEl>
+                                          <p:spTgt spid="4">
+                                            <p:txEl>
+                                              <p:pRg st="1" end="1"/>
+                                            </p:txEl>
+                                          </p:spTgt>
+                                        </p:tgtEl>
+                                        <p:attrNameLst>
+                                          <p:attrName>style.visibility</p:attrName>
+                                        </p:attrNameLst>
+                                      </p:cBhvr>
+                                      <p:to>
+                                        <p:strVal val="visible"/>
+                                      </p:to>
+                                    </p:set>
+                                  </p:childTnLst>
+                                </p:cTn>
+                              </p:par>
+                              <p:par>
+                                <p:cTn id="11" presetID="1" presetClass="entr" presetSubtype="0" fill="hold" nodeType="withEffect">
+                                  <p:stCondLst>
+                                    <p:cond delay="0"/>
+                                  </p:stCondLst>
+                                  <p:childTnLst>
+                                    <p:set>
+                                      <p:cBhvr>
+                                        <p:cTn id="12" dur="1" fill="hold">
+                                          <p:stCondLst>
+                                            <p:cond delay="0"/>
+                                          </p:stCondLst>
+                                        </p:cTn>
+                                        <p:tgtEl>
+                                          <p:spTgt spid="4">
+                                            <p:txEl>
+                                              <p:pRg st="2" end="2"/>
+                                            </p:txEl>
+                                          </p:spTgt>
+                                        </p:tgtEl>
+                                        <p:attrNameLst>
+                                          <p:attrName>style.visibility</p:attrName>
+                                        </p:attrNameLst>
+                                      </p:cBhvr>
+                                      <p:to>
+                                        <p:strVal val="visible"/>
+                                      </p:to>
+                                    </p:set>
+                                  </p:childTnLst>
+                                </p:cTn>
+                              </p:par>
+                            </p:childTnLst>
+                          </p:cTn>
+                        </p:par>
+                      </p:childTnLst>
+                    </p:cTn>
+                  </p:par>
+                  <p:par>
+                    <p:cTn id="13" fill="hold">
+                      <p:stCondLst>
+                        <p:cond delay="indefinite"/>
+                      </p:stCondLst>
+                      <p:childTnLst>
+                        <p:par>
+                          <p:cTn id="14" fill="hold">
+                            <p:stCondLst>
+                              <p:cond delay="0"/>
+                            </p:stCondLst>
+                            <p:childTnLst>
+                              <p:par>
+                                <p:cTn id="15" presetID="1" presetClass="entr" presetSubtype="0" fill="hold" nodeType="clickEffect">
+                                  <p:stCondLst>
+                                    <p:cond delay="0"/>
+                                  </p:stCondLst>
+                                  <p:childTnLst>
+                                    <p:set>
+                                      <p:cBhvr>
+                                        <p:cTn id="16" dur="1" fill="hold">
+                                          <p:stCondLst>
+                                            <p:cond delay="0"/>
+                                          </p:stCondLst>
+                                        </p:cTn>
+                                        <p:tgtEl>
+                                          <p:spTgt spid="4">
+                                            <p:txEl>
+                                              <p:pRg st="3" end="3"/>
+                                            </p:txEl>
+                                          </p:spTgt>
+                                        </p:tgtEl>
+                                        <p:attrNameLst>
+                                          <p:attrName>style.visibility</p:attrName>
+                                        </p:attrNameLst>
+                                      </p:cBhvr>
+                                      <p:to>
+                                        <p:strVal val="visible"/>
+                                      </p:to>
+                                    </p:set>
+                                  </p:childTnLst>
+                                </p:cTn>
+                              </p:par>
+                              <p:par>
+                                <p:cTn id="17" presetID="1" presetClass="entr" presetSubtype="0" fill="hold" nodeType="withEffect">
+                                  <p:stCondLst>
+                                    <p:cond delay="0"/>
+                                  </p:stCondLst>
+                                  <p:childTnLst>
+                                    <p:set>
+                                      <p:cBhvr>
+                                        <p:cTn id="18" dur="1" fill="hold">
+                                          <p:stCondLst>
+                                            <p:cond delay="0"/>
+                                          </p:stCondLst>
+                                        </p:cTn>
+                                        <p:tgtEl>
+                                          <p:spTgt spid="4">
+                                            <p:txEl>
+                                              <p:pRg st="4" end="4"/>
+                                            </p:txEl>
+                                          </p:spTgt>
+                                        </p:tgtEl>
+                                        <p:attrNameLst>
+                                          <p:attrName>style.visibility</p:attrName>
+                                        </p:attrNameLst>
+                                      </p:cBhvr>
+                                      <p:to>
+                                        <p:strVal val="visible"/>
+                                      </p:to>
+                                    </p:set>
+                                  </p:childTnLst>
+                                </p:cTn>
+                              </p:par>
+                            </p:childTnLst>
+                          </p:cTn>
+                        </p:par>
+                      </p:childTnLst>
+                    </p:cTn>
+                  </p:par>
+                </p:childTnLst>
+              </p:cTn>
+              <p:prevCondLst>
+                <p:cond evt="onPrev" delay="0">
+                  <p:tgtEl>
+                    <p:sldTgt/>
+                  </p:tgtEl>
+                </p:cond>
+              </p:prevCondLst>
+              <p:nextCondLst>
+                <p:cond evt="onNext" delay="0">
+                  <p:tgtEl>
+                    <p:sldTgt/>
+                  </p:tgtEl>
+                </p:cond>
+              </p:nextCondLst>
+            </p:seq>
+          </p:childTnLst>
+        </p:cTn>
+      </p:par>
+    </p:tnLst>
+  </p:timing>
 </p:sld>
 </file>
 
@@ -10456,7 +11094,7 @@
           <a:p>
             <a:r>
               <a:rPr lang="en-US" dirty="0"/>
-              <a:t>Documents vs Tables </a:t>
+              <a:t>Documents: Advantages and Disadvantages</a:t>
             </a:r>
             <a:endParaRPr lang="en-GB" dirty="0"/>
           </a:p>
@@ -10475,18 +11113,18 @@
           <p:nvPr>
             <p:extLst>
               <p:ext uri="{D42A27DB-BD31-4B8C-83A1-F6EECF244321}">
-                <p14:modId xmlns:p14="http://schemas.microsoft.com/office/powerpoint/2010/main" val="2353159511"/>
+                <p14:modId xmlns:p14="http://schemas.microsoft.com/office/powerpoint/2010/main" val="3778569436"/>
               </p:ext>
             </p:extLst>
           </p:nvPr>
         </p:nvGraphicFramePr>
         <p:xfrm>
-          <a:off x="488032" y="1194534"/>
-          <a:ext cx="7995274" cy="3451500"/>
+          <a:off x="488032" y="1573480"/>
+          <a:ext cx="7995274" cy="3072553"/>
         </p:xfrm>
         <a:graphic>
           <a:graphicData uri="http://schemas.openxmlformats.org/drawingml/2006/diagram">
-            <dgm:relIds xmlns:dgm="http://schemas.openxmlformats.org/drawingml/2006/diagram" xmlns:r="http://schemas.openxmlformats.org/officeDocument/2006/relationships" r:dm="rId2" r:lo="rId3" r:qs="rId4" r:cs="rId5"/>
+            <dgm:relIds xmlns:dgm="http://schemas.openxmlformats.org/drawingml/2006/diagram" xmlns:r="http://schemas.openxmlformats.org/officeDocument/2006/relationships" r:dm="rId3" r:lo="rId4" r:qs="rId5" r:cs="rId6"/>
           </a:graphicData>
         </a:graphic>
       </p:graphicFrame>
@@ -10500,6 +11138,239 @@
   <p:clrMapOvr>
     <a:masterClrMapping/>
   </p:clrMapOvr>
+  <p:timing>
+    <p:tnLst>
+      <p:par>
+        <p:cTn id="1" dur="indefinite" restart="never" nodeType="tmRoot">
+          <p:childTnLst>
+            <p:seq concurrent="1" nextAc="seek">
+              <p:cTn id="2" dur="indefinite" nodeType="mainSeq">
+                <p:childTnLst>
+                  <p:par>
+                    <p:cTn id="3" fill="hold">
+                      <p:stCondLst>
+                        <p:cond delay="indefinite"/>
+                      </p:stCondLst>
+                      <p:childTnLst>
+                        <p:par>
+                          <p:cTn id="4" fill="hold">
+                            <p:stCondLst>
+                              <p:cond delay="0"/>
+                            </p:stCondLst>
+                            <p:childTnLst>
+                              <p:par>
+                                <p:cTn id="5" presetID="1" presetClass="entr" presetSubtype="0" fill="hold" grpId="0" nodeType="clickEffect">
+                                  <p:stCondLst>
+                                    <p:cond delay="0"/>
+                                  </p:stCondLst>
+                                  <p:childTnLst>
+                                    <p:set>
+                                      <p:cBhvr>
+                                        <p:cTn id="6" dur="1" fill="hold">
+                                          <p:stCondLst>
+                                            <p:cond delay="0"/>
+                                          </p:stCondLst>
+                                        </p:cTn>
+                                        <p:tgtEl>
+                                          <p:spTgt spid="10">
+                                            <p:graphicEl>
+                                              <a:dgm id="{6435D7C2-CEA5-48C8-B00B-FC970F1A7EA4}"/>
+                                            </p:graphicEl>
+                                          </p:spTgt>
+                                        </p:tgtEl>
+                                        <p:attrNameLst>
+                                          <p:attrName>style.visibility</p:attrName>
+                                        </p:attrNameLst>
+                                      </p:cBhvr>
+                                      <p:to>
+                                        <p:strVal val="visible"/>
+                                      </p:to>
+                                    </p:set>
+                                  </p:childTnLst>
+                                </p:cTn>
+                              </p:par>
+                            </p:childTnLst>
+                          </p:cTn>
+                        </p:par>
+                      </p:childTnLst>
+                    </p:cTn>
+                  </p:par>
+                  <p:par>
+                    <p:cTn id="7" fill="hold">
+                      <p:stCondLst>
+                        <p:cond delay="indefinite"/>
+                      </p:stCondLst>
+                      <p:childTnLst>
+                        <p:par>
+                          <p:cTn id="8" fill="hold">
+                            <p:stCondLst>
+                              <p:cond delay="0"/>
+                            </p:stCondLst>
+                            <p:childTnLst>
+                              <p:par>
+                                <p:cTn id="9" presetID="1" presetClass="entr" presetSubtype="0" fill="hold" grpId="0" nodeType="clickEffect">
+                                  <p:stCondLst>
+                                    <p:cond delay="0"/>
+                                  </p:stCondLst>
+                                  <p:childTnLst>
+                                    <p:set>
+                                      <p:cBhvr>
+                                        <p:cTn id="10" dur="1" fill="hold">
+                                          <p:stCondLst>
+                                            <p:cond delay="0"/>
+                                          </p:stCondLst>
+                                        </p:cTn>
+                                        <p:tgtEl>
+                                          <p:spTgt spid="10">
+                                            <p:graphicEl>
+                                              <a:dgm id="{CE669AF2-8E9D-4B8C-BCA2-E332FC2D90BA}"/>
+                                            </p:graphicEl>
+                                          </p:spTgt>
+                                        </p:tgtEl>
+                                        <p:attrNameLst>
+                                          <p:attrName>style.visibility</p:attrName>
+                                        </p:attrNameLst>
+                                      </p:cBhvr>
+                                      <p:to>
+                                        <p:strVal val="visible"/>
+                                      </p:to>
+                                    </p:set>
+                                  </p:childTnLst>
+                                </p:cTn>
+                              </p:par>
+                            </p:childTnLst>
+                          </p:cTn>
+                        </p:par>
+                      </p:childTnLst>
+                    </p:cTn>
+                  </p:par>
+                  <p:par>
+                    <p:cTn id="11" fill="hold">
+                      <p:stCondLst>
+                        <p:cond delay="indefinite"/>
+                      </p:stCondLst>
+                      <p:childTnLst>
+                        <p:par>
+                          <p:cTn id="12" fill="hold">
+                            <p:stCondLst>
+                              <p:cond delay="0"/>
+                            </p:stCondLst>
+                            <p:childTnLst>
+                              <p:par>
+                                <p:cTn id="13" presetID="1" presetClass="entr" presetSubtype="0" fill="hold" grpId="0" nodeType="clickEffect">
+                                  <p:stCondLst>
+                                    <p:cond delay="0"/>
+                                  </p:stCondLst>
+                                  <p:childTnLst>
+                                    <p:set>
+                                      <p:cBhvr>
+                                        <p:cTn id="14" dur="1" fill="hold">
+                                          <p:stCondLst>
+                                            <p:cond delay="0"/>
+                                          </p:stCondLst>
+                                        </p:cTn>
+                                        <p:tgtEl>
+                                          <p:spTgt spid="10">
+                                            <p:graphicEl>
+                                              <a:dgm id="{947AD6CD-25CC-4CA2-90D8-4BD5D3FDD6D2}"/>
+                                            </p:graphicEl>
+                                          </p:spTgt>
+                                        </p:tgtEl>
+                                        <p:attrNameLst>
+                                          <p:attrName>style.visibility</p:attrName>
+                                        </p:attrNameLst>
+                                      </p:cBhvr>
+                                      <p:to>
+                                        <p:strVal val="visible"/>
+                                      </p:to>
+                                    </p:set>
+                                  </p:childTnLst>
+                                </p:cTn>
+                              </p:par>
+                            </p:childTnLst>
+                          </p:cTn>
+                        </p:par>
+                      </p:childTnLst>
+                    </p:cTn>
+                  </p:par>
+                  <p:par>
+                    <p:cTn id="15" fill="hold">
+                      <p:stCondLst>
+                        <p:cond delay="indefinite"/>
+                      </p:stCondLst>
+                      <p:childTnLst>
+                        <p:par>
+                          <p:cTn id="16" fill="hold">
+                            <p:stCondLst>
+                              <p:cond delay="0"/>
+                            </p:stCondLst>
+                            <p:childTnLst>
+                              <p:par>
+                                <p:cTn id="17" presetID="1" presetClass="entr" presetSubtype="0" fill="hold" grpId="0" nodeType="clickEffect">
+                                  <p:stCondLst>
+                                    <p:cond delay="0"/>
+                                  </p:stCondLst>
+                                  <p:childTnLst>
+                                    <p:set>
+                                      <p:cBhvr>
+                                        <p:cTn id="18" dur="1" fill="hold">
+                                          <p:stCondLst>
+                                            <p:cond delay="0"/>
+                                          </p:stCondLst>
+                                        </p:cTn>
+                                        <p:tgtEl>
+                                          <p:spTgt spid="10">
+                                            <p:graphicEl>
+                                              <a:dgm id="{F296E605-8DE9-4703-B8A6-4CC926692C15}"/>
+                                            </p:graphicEl>
+                                          </p:spTgt>
+                                        </p:tgtEl>
+                                        <p:attrNameLst>
+                                          <p:attrName>style.visibility</p:attrName>
+                                        </p:attrNameLst>
+                                      </p:cBhvr>
+                                      <p:to>
+                                        <p:strVal val="visible"/>
+                                      </p:to>
+                                    </p:set>
+                                  </p:childTnLst>
+                                </p:cTn>
+                              </p:par>
+                            </p:childTnLst>
+                          </p:cTn>
+                        </p:par>
+                      </p:childTnLst>
+                    </p:cTn>
+                  </p:par>
+                </p:childTnLst>
+              </p:cTn>
+              <p:prevCondLst>
+                <p:cond evt="onPrev" delay="0">
+                  <p:tgtEl>
+                    <p:sldTgt/>
+                  </p:tgtEl>
+                </p:cond>
+              </p:prevCondLst>
+              <p:nextCondLst>
+                <p:cond evt="onNext" delay="0">
+                  <p:tgtEl>
+                    <p:sldTgt/>
+                  </p:tgtEl>
+                </p:cond>
+              </p:nextCondLst>
+            </p:seq>
+          </p:childTnLst>
+        </p:cTn>
+      </p:par>
+    </p:tnLst>
+    <p:bldLst>
+      <p:bldGraphic spid="10" grpId="0" uiExpand="1">
+        <p:bldSub>
+          <a:bldDgm bld="one"/>
+        </p:bldSub>
+      </p:bldGraphic>
+    </p:bldLst>
+  </p:timing>
 </p:sld>
 </file>
 
@@ -10695,93 +11566,1129 @@
           </a:p>
         </p:txBody>
       </p:sp>
-      <p:graphicFrame>
-        <p:nvGraphicFramePr>
-          <p:cNvPr id="5" name="Object 4">
+      <p:grpSp>
+        <p:nvGrpSpPr>
+          <p:cNvPr id="28" name="Group 27">
             <a:extLst>
               <a:ext uri="{FF2B5EF4-FFF2-40B4-BE49-F238E27FC236}">
-                <a16:creationId xmlns:a16="http://schemas.microsoft.com/office/drawing/2014/main" id="{23B69521-AB0D-4F9A-A5A2-D9E64A179AD4}"/>
+                <a16:creationId xmlns:a16="http://schemas.microsoft.com/office/drawing/2014/main" id="{CE844B04-74C2-F141-906F-7C36B4B82A3D}"/>
               </a:ext>
             </a:extLst>
           </p:cNvPr>
-          <p:cNvGraphicFramePr>
-            <a:graphicFrameLocks noChangeAspect="1"/>
-          </p:cNvGraphicFramePr>
-          <p:nvPr>
-            <p:extLst>
-              <p:ext uri="{D42A27DB-BD31-4B8C-83A1-F6EECF244321}">
-                <p14:modId xmlns:p14="http://schemas.microsoft.com/office/powerpoint/2010/main" val="3011880138"/>
-              </p:ext>
-            </p:extLst>
-          </p:nvPr>
-        </p:nvGraphicFramePr>
-        <p:xfrm>
-          <a:off x="4038160" y="1347815"/>
-          <a:ext cx="5943600" cy="3476625"/>
-        </p:xfrm>
-        <a:graphic>
-          <a:graphicData uri="http://schemas.openxmlformats.org/presentationml/2006/ole">
-            <mc:AlternateContent xmlns:mc="http://schemas.openxmlformats.org/markup-compatibility/2006">
-              <mc:Choice xmlns:v="urn:schemas-microsoft-com:vml" Requires="v">
-                <p:oleObj spid="_x0000_s1029" name="Visio" r:id="rId4" imgW="6372811" imgH="3725778" progId="Visio.Drawing.11">
-                  <p:embed/>
-                </p:oleObj>
-              </mc:Choice>
-              <mc:Fallback>
-                <p:oleObj name="Visio" r:id="rId4" imgW="6372811" imgH="3725778" progId="Visio.Drawing.11">
-                  <p:embed/>
-                  <p:pic>
-                    <p:nvPicPr>
-                      <p:cNvPr id="0" name="Object 1"/>
-                      <p:cNvPicPr>
-                        <a:picLocks noChangeAspect="1" noChangeArrowheads="1"/>
-                      </p:cNvPicPr>
-                      <p:nvPr/>
-                    </p:nvPicPr>
-                    <p:blipFill>
-                      <a:blip r:embed="rId5">
-                        <a:extLst>
-                          <a:ext uri="{28A0092B-C50C-407E-A947-70E740481C1C}">
-                            <a14:useLocalDpi xmlns:a14="http://schemas.microsoft.com/office/drawing/2010/main" val="0"/>
-                          </a:ext>
-                        </a:extLst>
-                      </a:blip>
-                      <a:srcRect/>
-                      <a:stretch>
-                        <a:fillRect/>
-                      </a:stretch>
-                    </p:blipFill>
-                    <p:spPr bwMode="auto">
-                      <a:xfrm>
-                        <a:off x="4038160" y="1347815"/>
-                        <a:ext cx="5943600" cy="3476625"/>
-                      </a:xfrm>
-                      <a:prstGeom prst="rect">
-                        <a:avLst/>
-                      </a:prstGeom>
-                      <a:noFill/>
-                      <a:extLst>
-                        <a:ext uri="{909E8E84-426E-40DD-AFC4-6F175D3DCCD1}">
-                          <a14:hiddenFill xmlns:a14="http://schemas.microsoft.com/office/drawing/2010/main">
-                            <a:solidFill>
-                              <a:srgbClr val="FFFFFF"/>
-                            </a:solidFill>
-                          </a14:hiddenFill>
-                        </a:ext>
-                      </a:extLst>
-                    </p:spPr>
-                  </p:pic>
-                </p:oleObj>
-              </mc:Fallback>
-            </mc:AlternateContent>
-          </a:graphicData>
-        </a:graphic>
-      </p:graphicFrame>
+          <p:cNvGrpSpPr/>
+          <p:nvPr/>
+        </p:nvGrpSpPr>
+        <p:grpSpPr>
+          <a:xfrm>
+            <a:off x="4311600" y="956734"/>
+            <a:ext cx="4607626" cy="3918857"/>
+            <a:chOff x="133072" y="1435654"/>
+            <a:chExt cx="4607626" cy="3918857"/>
+          </a:xfrm>
+        </p:grpSpPr>
+        <p:sp>
+          <p:nvSpPr>
+            <p:cNvPr id="7" name="Rectangle 6">
+              <a:extLst>
+                <a:ext uri="{FF2B5EF4-FFF2-40B4-BE49-F238E27FC236}">
+                  <a16:creationId xmlns:a16="http://schemas.microsoft.com/office/drawing/2014/main" id="{0E332967-35E9-1B42-BC70-AE9EF2910A47}"/>
+                </a:ext>
+              </a:extLst>
+            </p:cNvPr>
+            <p:cNvSpPr/>
+            <p:nvPr/>
+          </p:nvSpPr>
+          <p:spPr>
+            <a:xfrm>
+              <a:off x="133072" y="1435654"/>
+              <a:ext cx="4607626" cy="3918857"/>
+            </a:xfrm>
+            <a:prstGeom prst="rect">
+              <a:avLst/>
+            </a:prstGeom>
+            <a:solidFill>
+              <a:schemeClr val="tx1"/>
+            </a:solidFill>
+          </p:spPr>
+          <p:style>
+            <a:lnRef idx="2">
+              <a:schemeClr val="accent1">
+                <a:shade val="50000"/>
+              </a:schemeClr>
+            </a:lnRef>
+            <a:fillRef idx="1">
+              <a:schemeClr val="accent1"/>
+            </a:fillRef>
+            <a:effectRef idx="0">
+              <a:schemeClr val="accent1"/>
+            </a:effectRef>
+            <a:fontRef idx="minor">
+              <a:schemeClr val="lt1"/>
+            </a:fontRef>
+          </p:style>
+          <p:txBody>
+            <a:bodyPr rtlCol="0" anchor="ctr"/>
+            <a:lstStyle/>
+            <a:p>
+              <a:pPr algn="ctr"/>
+              <a:endParaRPr lang="en-US" dirty="0"/>
+            </a:p>
+          </p:txBody>
+        </p:sp>
+        <p:pic>
+          <p:nvPicPr>
+            <p:cNvPr id="13" name="Picture 12">
+              <a:extLst>
+                <a:ext uri="{FF2B5EF4-FFF2-40B4-BE49-F238E27FC236}">
+                  <a16:creationId xmlns:a16="http://schemas.microsoft.com/office/drawing/2014/main" id="{43220897-5F49-784A-B3C7-63D75E727F25}"/>
+                </a:ext>
+              </a:extLst>
+            </p:cNvPr>
+            <p:cNvPicPr>
+              <a:picLocks noChangeAspect="1"/>
+            </p:cNvPicPr>
+            <p:nvPr/>
+          </p:nvPicPr>
+          <p:blipFill>
+            <a:blip r:embed="rId3"/>
+            <a:stretch>
+              <a:fillRect/>
+            </a:stretch>
+          </p:blipFill>
+          <p:spPr>
+            <a:xfrm>
+              <a:off x="1002593" y="1850384"/>
+              <a:ext cx="3363744" cy="3172864"/>
+            </a:xfrm>
+            <a:prstGeom prst="rect">
+              <a:avLst/>
+            </a:prstGeom>
+          </p:spPr>
+        </p:pic>
+      </p:grpSp>
+      <p:grpSp>
+        <p:nvGrpSpPr>
+          <p:cNvPr id="17" name="Group 16">
+            <a:extLst>
+              <a:ext uri="{FF2B5EF4-FFF2-40B4-BE49-F238E27FC236}">
+                <a16:creationId xmlns:a16="http://schemas.microsoft.com/office/drawing/2014/main" id="{3610E734-43D6-6B4A-9C25-2AE2F493AD2A}"/>
+              </a:ext>
+            </a:extLst>
+          </p:cNvPr>
+          <p:cNvGrpSpPr/>
+          <p:nvPr/>
+        </p:nvGrpSpPr>
+        <p:grpSpPr>
+          <a:xfrm>
+            <a:off x="4732221" y="2067560"/>
+            <a:ext cx="346249" cy="1183639"/>
+            <a:chOff x="4772257" y="1280436"/>
+            <a:chExt cx="346249" cy="3122502"/>
+          </a:xfrm>
+        </p:grpSpPr>
+        <p:cxnSp>
+          <p:nvCxnSpPr>
+            <p:cNvPr id="18" name="Straight Arrow Connector 17">
+              <a:extLst>
+                <a:ext uri="{FF2B5EF4-FFF2-40B4-BE49-F238E27FC236}">
+                  <a16:creationId xmlns:a16="http://schemas.microsoft.com/office/drawing/2014/main" id="{2C91172F-AC23-AA4A-8BFE-A862454487E0}"/>
+                </a:ext>
+              </a:extLst>
+            </p:cNvPr>
+            <p:cNvCxnSpPr/>
+            <p:nvPr/>
+          </p:nvCxnSpPr>
+          <p:spPr>
+            <a:xfrm>
+              <a:off x="5118506" y="1280436"/>
+              <a:ext cx="0" cy="3122502"/>
+            </a:xfrm>
+            <a:prstGeom prst="straightConnector1">
+              <a:avLst/>
+            </a:prstGeom>
+            <a:ln>
+              <a:headEnd type="triangle"/>
+              <a:tailEnd type="triangle"/>
+            </a:ln>
+          </p:spPr>
+          <p:style>
+            <a:lnRef idx="1">
+              <a:schemeClr val="accent1"/>
+            </a:lnRef>
+            <a:fillRef idx="0">
+              <a:schemeClr val="accent1"/>
+            </a:fillRef>
+            <a:effectRef idx="0">
+              <a:schemeClr val="accent1"/>
+            </a:effectRef>
+            <a:fontRef idx="minor">
+              <a:schemeClr val="tx1"/>
+            </a:fontRef>
+          </p:style>
+        </p:cxnSp>
+        <p:sp>
+          <p:nvSpPr>
+            <p:cNvPr id="19" name="TextBox 18">
+              <a:extLst>
+                <a:ext uri="{FF2B5EF4-FFF2-40B4-BE49-F238E27FC236}">
+                  <a16:creationId xmlns:a16="http://schemas.microsoft.com/office/drawing/2014/main" id="{18AB38E3-9885-E94F-9B71-E9365B99717D}"/>
+                </a:ext>
+              </a:extLst>
+            </p:cNvPr>
+            <p:cNvSpPr txBox="1"/>
+            <p:nvPr/>
+          </p:nvSpPr>
+          <p:spPr>
+            <a:xfrm>
+              <a:off x="4772257" y="1280441"/>
+              <a:ext cx="346249" cy="2602110"/>
+            </a:xfrm>
+            <a:prstGeom prst="rect">
+              <a:avLst/>
+            </a:prstGeom>
+            <a:noFill/>
+          </p:spPr>
+          <p:txBody>
+            <a:bodyPr vert="vert270" wrap="square" rtlCol="0">
+              <a:spAutoFit/>
+            </a:bodyPr>
+            <a:lstStyle/>
+            <a:p>
+              <a:pPr algn="ctr"/>
+              <a:r>
+                <a:rPr lang="en-US" sz="1050" dirty="0">
+                  <a:solidFill>
+                    <a:srgbClr val="FFC000"/>
+                  </a:solidFill>
+                </a:rPr>
+                <a:t>Document</a:t>
+              </a:r>
+            </a:p>
+          </p:txBody>
+        </p:sp>
+      </p:grpSp>
+      <p:grpSp>
+        <p:nvGrpSpPr>
+          <p:cNvPr id="12" name="Group 11">
+            <a:extLst>
+              <a:ext uri="{FF2B5EF4-FFF2-40B4-BE49-F238E27FC236}">
+                <a16:creationId xmlns:a16="http://schemas.microsoft.com/office/drawing/2014/main" id="{0B0BB6A0-494F-DF47-B3D1-03C484379F4B}"/>
+              </a:ext>
+            </a:extLst>
+          </p:cNvPr>
+          <p:cNvGrpSpPr/>
+          <p:nvPr/>
+        </p:nvGrpSpPr>
+        <p:grpSpPr>
+          <a:xfrm>
+            <a:off x="4427166" y="1396645"/>
+            <a:ext cx="346249" cy="3122502"/>
+            <a:chOff x="4772257" y="1280436"/>
+            <a:chExt cx="346249" cy="3122502"/>
+          </a:xfrm>
+        </p:grpSpPr>
+        <p:cxnSp>
+          <p:nvCxnSpPr>
+            <p:cNvPr id="10" name="Straight Arrow Connector 9">
+              <a:extLst>
+                <a:ext uri="{FF2B5EF4-FFF2-40B4-BE49-F238E27FC236}">
+                  <a16:creationId xmlns:a16="http://schemas.microsoft.com/office/drawing/2014/main" id="{CC6F7A3B-9947-E345-93AD-34E6B4B48EE7}"/>
+                </a:ext>
+              </a:extLst>
+            </p:cNvPr>
+            <p:cNvCxnSpPr/>
+            <p:nvPr/>
+          </p:nvCxnSpPr>
+          <p:spPr>
+            <a:xfrm>
+              <a:off x="5118506" y="1280436"/>
+              <a:ext cx="0" cy="3122502"/>
+            </a:xfrm>
+            <a:prstGeom prst="straightConnector1">
+              <a:avLst/>
+            </a:prstGeom>
+            <a:ln>
+              <a:headEnd type="triangle"/>
+              <a:tailEnd type="triangle"/>
+            </a:ln>
+          </p:spPr>
+          <p:style>
+            <a:lnRef idx="1">
+              <a:schemeClr val="accent1"/>
+            </a:lnRef>
+            <a:fillRef idx="0">
+              <a:schemeClr val="accent1"/>
+            </a:fillRef>
+            <a:effectRef idx="0">
+              <a:schemeClr val="accent1"/>
+            </a:effectRef>
+            <a:fontRef idx="minor">
+              <a:schemeClr val="tx1"/>
+            </a:fontRef>
+          </p:style>
+        </p:cxnSp>
+        <p:sp>
+          <p:nvSpPr>
+            <p:cNvPr id="11" name="TextBox 10">
+              <a:extLst>
+                <a:ext uri="{FF2B5EF4-FFF2-40B4-BE49-F238E27FC236}">
+                  <a16:creationId xmlns:a16="http://schemas.microsoft.com/office/drawing/2014/main" id="{147232C4-C338-8D43-B8B4-4CE340AA38BA}"/>
+                </a:ext>
+              </a:extLst>
+            </p:cNvPr>
+            <p:cNvSpPr txBox="1"/>
+            <p:nvPr/>
+          </p:nvSpPr>
+          <p:spPr>
+            <a:xfrm>
+              <a:off x="4772257" y="2470067"/>
+              <a:ext cx="346249" cy="830175"/>
+            </a:xfrm>
+            <a:prstGeom prst="rect">
+              <a:avLst/>
+            </a:prstGeom>
+            <a:noFill/>
+          </p:spPr>
+          <p:txBody>
+            <a:bodyPr vert="vert270" wrap="square" rtlCol="0">
+              <a:spAutoFit/>
+            </a:bodyPr>
+            <a:lstStyle/>
+            <a:p>
+              <a:r>
+                <a:rPr lang="en-US" sz="1050" dirty="0">
+                  <a:solidFill>
+                    <a:srgbClr val="FFC000"/>
+                  </a:solidFill>
+                </a:rPr>
+                <a:t>Collection</a:t>
+              </a:r>
+            </a:p>
+          </p:txBody>
+        </p:sp>
+      </p:grpSp>
+      <p:grpSp>
+        <p:nvGrpSpPr>
+          <p:cNvPr id="29" name="Group 28">
+            <a:extLst>
+              <a:ext uri="{FF2B5EF4-FFF2-40B4-BE49-F238E27FC236}">
+                <a16:creationId xmlns:a16="http://schemas.microsoft.com/office/drawing/2014/main" id="{1064136B-F305-B947-B543-C9FF4CB11C60}"/>
+              </a:ext>
+            </a:extLst>
+          </p:cNvPr>
+          <p:cNvGrpSpPr/>
+          <p:nvPr/>
+        </p:nvGrpSpPr>
+        <p:grpSpPr>
+          <a:xfrm>
+            <a:off x="4905345" y="3725467"/>
+            <a:ext cx="346249" cy="562050"/>
+            <a:chOff x="4772257" y="1280436"/>
+            <a:chExt cx="346249" cy="3122502"/>
+          </a:xfrm>
+        </p:grpSpPr>
+        <p:cxnSp>
+          <p:nvCxnSpPr>
+            <p:cNvPr id="30" name="Straight Arrow Connector 29">
+              <a:extLst>
+                <a:ext uri="{FF2B5EF4-FFF2-40B4-BE49-F238E27FC236}">
+                  <a16:creationId xmlns:a16="http://schemas.microsoft.com/office/drawing/2014/main" id="{B196843A-3A08-B046-B17D-FA83ED7420AC}"/>
+                </a:ext>
+              </a:extLst>
+            </p:cNvPr>
+            <p:cNvCxnSpPr/>
+            <p:nvPr/>
+          </p:nvCxnSpPr>
+          <p:spPr>
+            <a:xfrm>
+              <a:off x="5118506" y="1280436"/>
+              <a:ext cx="0" cy="3122502"/>
+            </a:xfrm>
+            <a:prstGeom prst="straightConnector1">
+              <a:avLst/>
+            </a:prstGeom>
+            <a:ln>
+              <a:headEnd type="triangle"/>
+              <a:tailEnd type="triangle"/>
+            </a:ln>
+          </p:spPr>
+          <p:style>
+            <a:lnRef idx="1">
+              <a:schemeClr val="accent1"/>
+            </a:lnRef>
+            <a:fillRef idx="0">
+              <a:schemeClr val="accent1"/>
+            </a:fillRef>
+            <a:effectRef idx="0">
+              <a:schemeClr val="accent1"/>
+            </a:effectRef>
+            <a:fontRef idx="minor">
+              <a:schemeClr val="tx1"/>
+            </a:fontRef>
+          </p:style>
+        </p:cxnSp>
+        <p:sp>
+          <p:nvSpPr>
+            <p:cNvPr id="31" name="TextBox 30">
+              <a:extLst>
+                <a:ext uri="{FF2B5EF4-FFF2-40B4-BE49-F238E27FC236}">
+                  <a16:creationId xmlns:a16="http://schemas.microsoft.com/office/drawing/2014/main" id="{3AB623D0-B6EE-0144-9D47-BDFEF2B611CC}"/>
+                </a:ext>
+              </a:extLst>
+            </p:cNvPr>
+            <p:cNvSpPr txBox="1"/>
+            <p:nvPr/>
+          </p:nvSpPr>
+          <p:spPr>
+            <a:xfrm>
+              <a:off x="4772257" y="1280441"/>
+              <a:ext cx="346249" cy="2602111"/>
+            </a:xfrm>
+            <a:prstGeom prst="rect">
+              <a:avLst/>
+            </a:prstGeom>
+            <a:noFill/>
+          </p:spPr>
+          <p:txBody>
+            <a:bodyPr vert="vert270" wrap="square" rtlCol="0">
+              <a:spAutoFit/>
+            </a:bodyPr>
+            <a:lstStyle/>
+            <a:p>
+              <a:r>
+                <a:rPr lang="en-US" sz="1050" dirty="0">
+                  <a:solidFill>
+                    <a:srgbClr val="FFC000"/>
+                  </a:solidFill>
+                </a:rPr>
+                <a:t>Array</a:t>
+              </a:r>
+            </a:p>
+          </p:txBody>
+        </p:sp>
+      </p:grpSp>
+      <p:grpSp>
+        <p:nvGrpSpPr>
+          <p:cNvPr id="22" name="Group 21">
+            <a:extLst>
+              <a:ext uri="{FF2B5EF4-FFF2-40B4-BE49-F238E27FC236}">
+                <a16:creationId xmlns:a16="http://schemas.microsoft.com/office/drawing/2014/main" id="{732C27DB-E794-734B-810D-FF1A7844CD28}"/>
+              </a:ext>
+            </a:extLst>
+          </p:cNvPr>
+          <p:cNvGrpSpPr/>
+          <p:nvPr/>
+        </p:nvGrpSpPr>
+        <p:grpSpPr>
+          <a:xfrm>
+            <a:off x="6754444" y="2571750"/>
+            <a:ext cx="1318401" cy="421047"/>
+            <a:chOff x="6973087" y="2521410"/>
+            <a:chExt cx="1318401" cy="421047"/>
+          </a:xfrm>
+        </p:grpSpPr>
+        <p:cxnSp>
+          <p:nvCxnSpPr>
+            <p:cNvPr id="20" name="Straight Arrow Connector 19">
+              <a:extLst>
+                <a:ext uri="{FF2B5EF4-FFF2-40B4-BE49-F238E27FC236}">
+                  <a16:creationId xmlns:a16="http://schemas.microsoft.com/office/drawing/2014/main" id="{2D457119-C66A-1E4B-BD17-1389206EE67D}"/>
+                </a:ext>
+              </a:extLst>
+            </p:cNvPr>
+            <p:cNvCxnSpPr/>
+            <p:nvPr/>
+          </p:nvCxnSpPr>
+          <p:spPr>
+            <a:xfrm flipH="1">
+              <a:off x="6973087" y="2650787"/>
+              <a:ext cx="718457" cy="291670"/>
+            </a:xfrm>
+            <a:prstGeom prst="straightConnector1">
+              <a:avLst/>
+            </a:prstGeom>
+            <a:ln>
+              <a:tailEnd type="triangle"/>
+            </a:ln>
+          </p:spPr>
+          <p:style>
+            <a:lnRef idx="1">
+              <a:schemeClr val="accent1"/>
+            </a:lnRef>
+            <a:fillRef idx="0">
+              <a:schemeClr val="accent1"/>
+            </a:fillRef>
+            <a:effectRef idx="0">
+              <a:schemeClr val="accent1"/>
+            </a:effectRef>
+            <a:fontRef idx="minor">
+              <a:schemeClr val="tx1"/>
+            </a:fontRef>
+          </p:style>
+        </p:cxnSp>
+        <p:sp>
+          <p:nvSpPr>
+            <p:cNvPr id="21" name="TextBox 20">
+              <a:extLst>
+                <a:ext uri="{FF2B5EF4-FFF2-40B4-BE49-F238E27FC236}">
+                  <a16:creationId xmlns:a16="http://schemas.microsoft.com/office/drawing/2014/main" id="{553FD5CB-4396-2640-A218-BE7D2BB30177}"/>
+                </a:ext>
+              </a:extLst>
+            </p:cNvPr>
+            <p:cNvSpPr txBox="1"/>
+            <p:nvPr/>
+          </p:nvSpPr>
+          <p:spPr>
+            <a:xfrm>
+              <a:off x="7632333" y="2521410"/>
+              <a:ext cx="659155" cy="246221"/>
+            </a:xfrm>
+            <a:prstGeom prst="rect">
+              <a:avLst/>
+            </a:prstGeom>
+            <a:noFill/>
+          </p:spPr>
+          <p:txBody>
+            <a:bodyPr wrap="none" rtlCol="0">
+              <a:spAutoFit/>
+            </a:bodyPr>
+            <a:lstStyle/>
+            <a:p>
+              <a:r>
+                <a:rPr lang="en-US" sz="1000" dirty="0">
+                  <a:solidFill>
+                    <a:srgbClr val="FFC000"/>
+                  </a:solidFill>
+                </a:rPr>
+                <a:t>Attribute</a:t>
+              </a:r>
+            </a:p>
+          </p:txBody>
+        </p:sp>
+      </p:grpSp>
+      <p:grpSp>
+        <p:nvGrpSpPr>
+          <p:cNvPr id="24" name="Group 23">
+            <a:extLst>
+              <a:ext uri="{FF2B5EF4-FFF2-40B4-BE49-F238E27FC236}">
+                <a16:creationId xmlns:a16="http://schemas.microsoft.com/office/drawing/2014/main" id="{1750F042-E7E6-CB43-B144-584F9A07BC33}"/>
+              </a:ext>
+            </a:extLst>
+          </p:cNvPr>
+          <p:cNvGrpSpPr/>
+          <p:nvPr/>
+        </p:nvGrpSpPr>
+        <p:grpSpPr>
+          <a:xfrm>
+            <a:off x="7193169" y="2960844"/>
+            <a:ext cx="933826" cy="246221"/>
+            <a:chOff x="7251864" y="2521410"/>
+            <a:chExt cx="933826" cy="246221"/>
+          </a:xfrm>
+        </p:grpSpPr>
+        <p:cxnSp>
+          <p:nvCxnSpPr>
+            <p:cNvPr id="25" name="Straight Arrow Connector 24">
+              <a:extLst>
+                <a:ext uri="{FF2B5EF4-FFF2-40B4-BE49-F238E27FC236}">
+                  <a16:creationId xmlns:a16="http://schemas.microsoft.com/office/drawing/2014/main" id="{70475157-E3D6-DE4E-A029-AB12A237EE1D}"/>
+                </a:ext>
+              </a:extLst>
+            </p:cNvPr>
+            <p:cNvCxnSpPr>
+              <a:cxnSpLocks/>
+            </p:cNvCxnSpPr>
+            <p:nvPr/>
+          </p:nvCxnSpPr>
+          <p:spPr>
+            <a:xfrm flipH="1" flipV="1">
+              <a:off x="7251864" y="2650787"/>
+              <a:ext cx="439682" cy="1"/>
+            </a:xfrm>
+            <a:prstGeom prst="straightConnector1">
+              <a:avLst/>
+            </a:prstGeom>
+            <a:ln>
+              <a:tailEnd type="triangle"/>
+            </a:ln>
+          </p:spPr>
+          <p:style>
+            <a:lnRef idx="1">
+              <a:schemeClr val="accent1"/>
+            </a:lnRef>
+            <a:fillRef idx="0">
+              <a:schemeClr val="accent1"/>
+            </a:fillRef>
+            <a:effectRef idx="0">
+              <a:schemeClr val="accent1"/>
+            </a:effectRef>
+            <a:fontRef idx="minor">
+              <a:schemeClr val="tx1"/>
+            </a:fontRef>
+          </p:style>
+        </p:cxnSp>
+        <p:sp>
+          <p:nvSpPr>
+            <p:cNvPr id="26" name="TextBox 25">
+              <a:extLst>
+                <a:ext uri="{FF2B5EF4-FFF2-40B4-BE49-F238E27FC236}">
+                  <a16:creationId xmlns:a16="http://schemas.microsoft.com/office/drawing/2014/main" id="{4AD44F70-BB33-DF4B-891A-780D07EDEE95}"/>
+                </a:ext>
+              </a:extLst>
+            </p:cNvPr>
+            <p:cNvSpPr txBox="1"/>
+            <p:nvPr/>
+          </p:nvSpPr>
+          <p:spPr>
+            <a:xfrm>
+              <a:off x="7632333" y="2521410"/>
+              <a:ext cx="553357" cy="246221"/>
+            </a:xfrm>
+            <a:prstGeom prst="rect">
+              <a:avLst/>
+            </a:prstGeom>
+            <a:noFill/>
+          </p:spPr>
+          <p:txBody>
+            <a:bodyPr wrap="none" rtlCol="0">
+              <a:spAutoFit/>
+            </a:bodyPr>
+            <a:lstStyle/>
+            <a:p>
+              <a:r>
+                <a:rPr lang="en-US" sz="1000" dirty="0">
+                  <a:solidFill>
+                    <a:srgbClr val="FFC000"/>
+                  </a:solidFill>
+                </a:rPr>
+                <a:t>Object</a:t>
+              </a:r>
+            </a:p>
+          </p:txBody>
+        </p:sp>
+      </p:grpSp>
     </p:spTree>
   </p:cSld>
   <p:clrMapOvr>
     <a:masterClrMapping/>
   </p:clrMapOvr>
+  <p:timing>
+    <p:tnLst>
+      <p:par>
+        <p:cTn id="1" dur="indefinite" restart="never" nodeType="tmRoot">
+          <p:childTnLst>
+            <p:seq concurrent="1" nextAc="seek">
+              <p:cTn id="2" dur="indefinite" nodeType="mainSeq">
+                <p:childTnLst>
+                  <p:par>
+                    <p:cTn id="3" fill="hold">
+                      <p:stCondLst>
+                        <p:cond delay="indefinite"/>
+                      </p:stCondLst>
+                      <p:childTnLst>
+                        <p:par>
+                          <p:cTn id="4" fill="hold">
+                            <p:stCondLst>
+                              <p:cond delay="0"/>
+                            </p:stCondLst>
+                            <p:childTnLst>
+                              <p:par>
+                                <p:cTn id="5" presetID="1" presetClass="entr" presetSubtype="0" fill="hold" nodeType="clickEffect">
+                                  <p:stCondLst>
+                                    <p:cond delay="0"/>
+                                  </p:stCondLst>
+                                  <p:childTnLst>
+                                    <p:set>
+                                      <p:cBhvr>
+                                        <p:cTn id="6" dur="1" fill="hold">
+                                          <p:stCondLst>
+                                            <p:cond delay="0"/>
+                                          </p:stCondLst>
+                                        </p:cTn>
+                                        <p:tgtEl>
+                                          <p:spTgt spid="2">
+                                            <p:txEl>
+                                              <p:pRg st="0" end="0"/>
+                                            </p:txEl>
+                                          </p:spTgt>
+                                        </p:tgtEl>
+                                        <p:attrNameLst>
+                                          <p:attrName>style.visibility</p:attrName>
+                                        </p:attrNameLst>
+                                      </p:cBhvr>
+                                      <p:to>
+                                        <p:strVal val="visible"/>
+                                      </p:to>
+                                    </p:set>
+                                  </p:childTnLst>
+                                </p:cTn>
+                              </p:par>
+                            </p:childTnLst>
+                          </p:cTn>
+                        </p:par>
+                      </p:childTnLst>
+                    </p:cTn>
+                  </p:par>
+                  <p:par>
+                    <p:cTn id="7" fill="hold">
+                      <p:stCondLst>
+                        <p:cond delay="indefinite"/>
+                      </p:stCondLst>
+                      <p:childTnLst>
+                        <p:par>
+                          <p:cTn id="8" fill="hold">
+                            <p:stCondLst>
+                              <p:cond delay="0"/>
+                            </p:stCondLst>
+                            <p:childTnLst>
+                              <p:par>
+                                <p:cTn id="9" presetID="1" presetClass="entr" presetSubtype="0" fill="hold" nodeType="clickEffect">
+                                  <p:stCondLst>
+                                    <p:cond delay="0"/>
+                                  </p:stCondLst>
+                                  <p:childTnLst>
+                                    <p:set>
+                                      <p:cBhvr>
+                                        <p:cTn id="10" dur="1" fill="hold">
+                                          <p:stCondLst>
+                                            <p:cond delay="0"/>
+                                          </p:stCondLst>
+                                        </p:cTn>
+                                        <p:tgtEl>
+                                          <p:spTgt spid="2">
+                                            <p:txEl>
+                                              <p:pRg st="1" end="1"/>
+                                            </p:txEl>
+                                          </p:spTgt>
+                                        </p:tgtEl>
+                                        <p:attrNameLst>
+                                          <p:attrName>style.visibility</p:attrName>
+                                        </p:attrNameLst>
+                                      </p:cBhvr>
+                                      <p:to>
+                                        <p:strVal val="visible"/>
+                                      </p:to>
+                                    </p:set>
+                                  </p:childTnLst>
+                                </p:cTn>
+                              </p:par>
+                            </p:childTnLst>
+                          </p:cTn>
+                        </p:par>
+                        <p:par>
+                          <p:cTn id="11" fill="hold">
+                            <p:stCondLst>
+                              <p:cond delay="0"/>
+                            </p:stCondLst>
+                            <p:childTnLst>
+                              <p:par>
+                                <p:cTn id="12" presetID="22" presetClass="entr" presetSubtype="4" fill="hold" nodeType="afterEffect">
+                                  <p:stCondLst>
+                                    <p:cond delay="0"/>
+                                  </p:stCondLst>
+                                  <p:childTnLst>
+                                    <p:set>
+                                      <p:cBhvr>
+                                        <p:cTn id="13" dur="1" fill="hold">
+                                          <p:stCondLst>
+                                            <p:cond delay="0"/>
+                                          </p:stCondLst>
+                                        </p:cTn>
+                                        <p:tgtEl>
+                                          <p:spTgt spid="12"/>
+                                        </p:tgtEl>
+                                        <p:attrNameLst>
+                                          <p:attrName>style.visibility</p:attrName>
+                                        </p:attrNameLst>
+                                      </p:cBhvr>
+                                      <p:to>
+                                        <p:strVal val="visible"/>
+                                      </p:to>
+                                    </p:set>
+                                    <p:animEffect transition="in" filter="wipe(down)">
+                                      <p:cBhvr>
+                                        <p:cTn id="14" dur="500"/>
+                                        <p:tgtEl>
+                                          <p:spTgt spid="12"/>
+                                        </p:tgtEl>
+                                      </p:cBhvr>
+                                    </p:animEffect>
+                                  </p:childTnLst>
+                                </p:cTn>
+                              </p:par>
+                            </p:childTnLst>
+                          </p:cTn>
+                        </p:par>
+                        <p:par>
+                          <p:cTn id="15" fill="hold">
+                            <p:stCondLst>
+                              <p:cond delay="500"/>
+                            </p:stCondLst>
+                            <p:childTnLst>
+                              <p:par>
+                                <p:cTn id="16" presetID="22" presetClass="entr" presetSubtype="4" fill="hold" nodeType="afterEffect">
+                                  <p:stCondLst>
+                                    <p:cond delay="0"/>
+                                  </p:stCondLst>
+                                  <p:childTnLst>
+                                    <p:set>
+                                      <p:cBhvr>
+                                        <p:cTn id="17" dur="1" fill="hold">
+                                          <p:stCondLst>
+                                            <p:cond delay="0"/>
+                                          </p:stCondLst>
+                                        </p:cTn>
+                                        <p:tgtEl>
+                                          <p:spTgt spid="17"/>
+                                        </p:tgtEl>
+                                        <p:attrNameLst>
+                                          <p:attrName>style.visibility</p:attrName>
+                                        </p:attrNameLst>
+                                      </p:cBhvr>
+                                      <p:to>
+                                        <p:strVal val="visible"/>
+                                      </p:to>
+                                    </p:set>
+                                    <p:animEffect transition="in" filter="wipe(down)">
+                                      <p:cBhvr>
+                                        <p:cTn id="18" dur="500"/>
+                                        <p:tgtEl>
+                                          <p:spTgt spid="17"/>
+                                        </p:tgtEl>
+                                      </p:cBhvr>
+                                    </p:animEffect>
+                                  </p:childTnLst>
+                                </p:cTn>
+                              </p:par>
+                            </p:childTnLst>
+                          </p:cTn>
+                        </p:par>
+                      </p:childTnLst>
+                    </p:cTn>
+                  </p:par>
+                  <p:par>
+                    <p:cTn id="19" fill="hold">
+                      <p:stCondLst>
+                        <p:cond delay="indefinite"/>
+                      </p:stCondLst>
+                      <p:childTnLst>
+                        <p:par>
+                          <p:cTn id="20" fill="hold">
+                            <p:stCondLst>
+                              <p:cond delay="0"/>
+                            </p:stCondLst>
+                            <p:childTnLst>
+                              <p:par>
+                                <p:cTn id="21" presetID="1" presetClass="entr" presetSubtype="0" fill="hold" nodeType="clickEffect">
+                                  <p:stCondLst>
+                                    <p:cond delay="0"/>
+                                  </p:stCondLst>
+                                  <p:childTnLst>
+                                    <p:set>
+                                      <p:cBhvr>
+                                        <p:cTn id="22" dur="1" fill="hold">
+                                          <p:stCondLst>
+                                            <p:cond delay="0"/>
+                                          </p:stCondLst>
+                                        </p:cTn>
+                                        <p:tgtEl>
+                                          <p:spTgt spid="2">
+                                            <p:txEl>
+                                              <p:pRg st="2" end="2"/>
+                                            </p:txEl>
+                                          </p:spTgt>
+                                        </p:tgtEl>
+                                        <p:attrNameLst>
+                                          <p:attrName>style.visibility</p:attrName>
+                                        </p:attrNameLst>
+                                      </p:cBhvr>
+                                      <p:to>
+                                        <p:strVal val="visible"/>
+                                      </p:to>
+                                    </p:set>
+                                  </p:childTnLst>
+                                </p:cTn>
+                              </p:par>
+                            </p:childTnLst>
+                          </p:cTn>
+                        </p:par>
+                      </p:childTnLst>
+                    </p:cTn>
+                  </p:par>
+                  <p:par>
+                    <p:cTn id="23" fill="hold">
+                      <p:stCondLst>
+                        <p:cond delay="indefinite"/>
+                      </p:stCondLst>
+                      <p:childTnLst>
+                        <p:par>
+                          <p:cTn id="24" fill="hold">
+                            <p:stCondLst>
+                              <p:cond delay="0"/>
+                            </p:stCondLst>
+                            <p:childTnLst>
+                              <p:par>
+                                <p:cTn id="25" presetID="1" presetClass="entr" presetSubtype="0" fill="hold" nodeType="clickEffect">
+                                  <p:stCondLst>
+                                    <p:cond delay="0"/>
+                                  </p:stCondLst>
+                                  <p:childTnLst>
+                                    <p:set>
+                                      <p:cBhvr>
+                                        <p:cTn id="26" dur="1" fill="hold">
+                                          <p:stCondLst>
+                                            <p:cond delay="0"/>
+                                          </p:stCondLst>
+                                        </p:cTn>
+                                        <p:tgtEl>
+                                          <p:spTgt spid="2">
+                                            <p:txEl>
+                                              <p:pRg st="3" end="3"/>
+                                            </p:txEl>
+                                          </p:spTgt>
+                                        </p:tgtEl>
+                                        <p:attrNameLst>
+                                          <p:attrName>style.visibility</p:attrName>
+                                        </p:attrNameLst>
+                                      </p:cBhvr>
+                                      <p:to>
+                                        <p:strVal val="visible"/>
+                                      </p:to>
+                                    </p:set>
+                                  </p:childTnLst>
+                                </p:cTn>
+                              </p:par>
+                              <p:par>
+                                <p:cTn id="27" presetID="22" presetClass="entr" presetSubtype="8" fill="hold" nodeType="withEffect">
+                                  <p:stCondLst>
+                                    <p:cond delay="0"/>
+                                  </p:stCondLst>
+                                  <p:childTnLst>
+                                    <p:set>
+                                      <p:cBhvr>
+                                        <p:cTn id="28" dur="1" fill="hold">
+                                          <p:stCondLst>
+                                            <p:cond delay="0"/>
+                                          </p:stCondLst>
+                                        </p:cTn>
+                                        <p:tgtEl>
+                                          <p:spTgt spid="22"/>
+                                        </p:tgtEl>
+                                        <p:attrNameLst>
+                                          <p:attrName>style.visibility</p:attrName>
+                                        </p:attrNameLst>
+                                      </p:cBhvr>
+                                      <p:to>
+                                        <p:strVal val="visible"/>
+                                      </p:to>
+                                    </p:set>
+                                    <p:animEffect transition="in" filter="wipe(left)">
+                                      <p:cBhvr>
+                                        <p:cTn id="29" dur="500"/>
+                                        <p:tgtEl>
+                                          <p:spTgt spid="22"/>
+                                        </p:tgtEl>
+                                      </p:cBhvr>
+                                    </p:animEffect>
+                                  </p:childTnLst>
+                                </p:cTn>
+                              </p:par>
+                            </p:childTnLst>
+                          </p:cTn>
+                        </p:par>
+                      </p:childTnLst>
+                    </p:cTn>
+                  </p:par>
+                  <p:par>
+                    <p:cTn id="30" fill="hold">
+                      <p:stCondLst>
+                        <p:cond delay="indefinite"/>
+                      </p:stCondLst>
+                      <p:childTnLst>
+                        <p:par>
+                          <p:cTn id="31" fill="hold">
+                            <p:stCondLst>
+                              <p:cond delay="0"/>
+                            </p:stCondLst>
+                            <p:childTnLst>
+                              <p:par>
+                                <p:cTn id="32" presetID="1" presetClass="entr" presetSubtype="0" fill="hold" nodeType="clickEffect">
+                                  <p:stCondLst>
+                                    <p:cond delay="0"/>
+                                  </p:stCondLst>
+                                  <p:childTnLst>
+                                    <p:set>
+                                      <p:cBhvr>
+                                        <p:cTn id="33" dur="1" fill="hold">
+                                          <p:stCondLst>
+                                            <p:cond delay="0"/>
+                                          </p:stCondLst>
+                                        </p:cTn>
+                                        <p:tgtEl>
+                                          <p:spTgt spid="2">
+                                            <p:txEl>
+                                              <p:pRg st="4" end="4"/>
+                                            </p:txEl>
+                                          </p:spTgt>
+                                        </p:tgtEl>
+                                        <p:attrNameLst>
+                                          <p:attrName>style.visibility</p:attrName>
+                                        </p:attrNameLst>
+                                      </p:cBhvr>
+                                      <p:to>
+                                        <p:strVal val="visible"/>
+                                      </p:to>
+                                    </p:set>
+                                  </p:childTnLst>
+                                </p:cTn>
+                              </p:par>
+                              <p:par>
+                                <p:cTn id="34" presetID="22" presetClass="entr" presetSubtype="2" fill="hold" nodeType="withEffect">
+                                  <p:stCondLst>
+                                    <p:cond delay="0"/>
+                                  </p:stCondLst>
+                                  <p:childTnLst>
+                                    <p:set>
+                                      <p:cBhvr>
+                                        <p:cTn id="35" dur="1" fill="hold">
+                                          <p:stCondLst>
+                                            <p:cond delay="0"/>
+                                          </p:stCondLst>
+                                        </p:cTn>
+                                        <p:tgtEl>
+                                          <p:spTgt spid="24"/>
+                                        </p:tgtEl>
+                                        <p:attrNameLst>
+                                          <p:attrName>style.visibility</p:attrName>
+                                        </p:attrNameLst>
+                                      </p:cBhvr>
+                                      <p:to>
+                                        <p:strVal val="visible"/>
+                                      </p:to>
+                                    </p:set>
+                                    <p:animEffect transition="in" filter="wipe(right)">
+                                      <p:cBhvr>
+                                        <p:cTn id="36" dur="500"/>
+                                        <p:tgtEl>
+                                          <p:spTgt spid="24"/>
+                                        </p:tgtEl>
+                                      </p:cBhvr>
+                                    </p:animEffect>
+                                  </p:childTnLst>
+                                </p:cTn>
+                              </p:par>
+                            </p:childTnLst>
+                          </p:cTn>
+                        </p:par>
+                      </p:childTnLst>
+                    </p:cTn>
+                  </p:par>
+                  <p:par>
+                    <p:cTn id="37" fill="hold">
+                      <p:stCondLst>
+                        <p:cond delay="indefinite"/>
+                      </p:stCondLst>
+                      <p:childTnLst>
+                        <p:par>
+                          <p:cTn id="38" fill="hold">
+                            <p:stCondLst>
+                              <p:cond delay="0"/>
+                            </p:stCondLst>
+                            <p:childTnLst>
+                              <p:par>
+                                <p:cTn id="39" presetID="1" presetClass="entr" presetSubtype="0" fill="hold" nodeType="clickEffect">
+                                  <p:stCondLst>
+                                    <p:cond delay="0"/>
+                                  </p:stCondLst>
+                                  <p:childTnLst>
+                                    <p:set>
+                                      <p:cBhvr>
+                                        <p:cTn id="40" dur="1" fill="hold">
+                                          <p:stCondLst>
+                                            <p:cond delay="0"/>
+                                          </p:stCondLst>
+                                        </p:cTn>
+                                        <p:tgtEl>
+                                          <p:spTgt spid="2">
+                                            <p:txEl>
+                                              <p:pRg st="5" end="5"/>
+                                            </p:txEl>
+                                          </p:spTgt>
+                                        </p:tgtEl>
+                                        <p:attrNameLst>
+                                          <p:attrName>style.visibility</p:attrName>
+                                        </p:attrNameLst>
+                                      </p:cBhvr>
+                                      <p:to>
+                                        <p:strVal val="visible"/>
+                                      </p:to>
+                                    </p:set>
+                                  </p:childTnLst>
+                                </p:cTn>
+                              </p:par>
+                              <p:par>
+                                <p:cTn id="41" presetID="22" presetClass="entr" presetSubtype="4" fill="hold" nodeType="withEffect">
+                                  <p:stCondLst>
+                                    <p:cond delay="0"/>
+                                  </p:stCondLst>
+                                  <p:childTnLst>
+                                    <p:set>
+                                      <p:cBhvr>
+                                        <p:cTn id="42" dur="1" fill="hold">
+                                          <p:stCondLst>
+                                            <p:cond delay="0"/>
+                                          </p:stCondLst>
+                                        </p:cTn>
+                                        <p:tgtEl>
+                                          <p:spTgt spid="29"/>
+                                        </p:tgtEl>
+                                        <p:attrNameLst>
+                                          <p:attrName>style.visibility</p:attrName>
+                                        </p:attrNameLst>
+                                      </p:cBhvr>
+                                      <p:to>
+                                        <p:strVal val="visible"/>
+                                      </p:to>
+                                    </p:set>
+                                    <p:animEffect transition="in" filter="wipe(down)">
+                                      <p:cBhvr>
+                                        <p:cTn id="43" dur="500"/>
+                                        <p:tgtEl>
+                                          <p:spTgt spid="29"/>
+                                        </p:tgtEl>
+                                      </p:cBhvr>
+                                    </p:animEffect>
+                                  </p:childTnLst>
+                                </p:cTn>
+                              </p:par>
+                            </p:childTnLst>
+                          </p:cTn>
+                        </p:par>
+                      </p:childTnLst>
+                    </p:cTn>
+                  </p:par>
+                </p:childTnLst>
+              </p:cTn>
+              <p:prevCondLst>
+                <p:cond evt="onPrev" delay="0">
+                  <p:tgtEl>
+                    <p:sldTgt/>
+                  </p:tgtEl>
+                </p:cond>
+              </p:prevCondLst>
+              <p:nextCondLst>
+                <p:cond evt="onNext" delay="0">
+                  <p:tgtEl>
+                    <p:sldTgt/>
+                  </p:tgtEl>
+                </p:cond>
+              </p:nextCondLst>
+            </p:seq>
+          </p:childTnLst>
+        </p:cTn>
+      </p:par>
+    </p:tnLst>
+  </p:timing>
 </p:sld>
 </file>
 
